--- a/Spring-aop.pptx
+++ b/Spring-aop.pptx
@@ -4,9 +4,22 @@
   <p:sldMasterIdLst>
     <p:sldMasterId id="2147483648" r:id="rId1"/>
   </p:sldMasterIdLst>
+  <p:notesMasterIdLst>
+    <p:notesMasterId r:id="rId14"/>
+  </p:notesMasterIdLst>
   <p:sldIdLst>
     <p:sldId id="256" r:id="rId2"/>
     <p:sldId id="257" r:id="rId3"/>
+    <p:sldId id="258" r:id="rId4"/>
+    <p:sldId id="259" r:id="rId5"/>
+    <p:sldId id="260" r:id="rId6"/>
+    <p:sldId id="261" r:id="rId7"/>
+    <p:sldId id="262" r:id="rId8"/>
+    <p:sldId id="263" r:id="rId9"/>
+    <p:sldId id="264" r:id="rId10"/>
+    <p:sldId id="265" r:id="rId11"/>
+    <p:sldId id="266" r:id="rId12"/>
+    <p:sldId id="267" r:id="rId13"/>
   </p:sldIdLst>
   <p:sldSz cx="12192000" cy="6858000"/>
   <p:notesSz cx="6858000" cy="9144000"/>
@@ -105,7 +118,362 @@
       </a:defRPr>
     </a:lvl9pPr>
   </p:defaultTextStyle>
+  <p:extLst>
+    <p:ext uri="{EFAFB233-063F-42B5-8137-9DF3F51BA10A}">
+      <p15:sldGuideLst xmlns:p15="http://schemas.microsoft.com/office/powerpoint/2012/main"/>
+    </p:ext>
+  </p:extLst>
 </p:presentation>
+</file>
+
+<file path=ppt/notesMasters/notesMaster1.xml><?xml version="1.0" encoding="utf-8"?>
+<p:notesMaster xmlns:a="http://schemas.openxmlformats.org/drawingml/2006/main" xmlns:r="http://schemas.openxmlformats.org/officeDocument/2006/relationships" xmlns:p="http://schemas.openxmlformats.org/presentationml/2006/main">
+  <p:cSld>
+    <p:bg>
+      <p:bgRef idx="1001">
+        <a:schemeClr val="bg1"/>
+      </p:bgRef>
+    </p:bg>
+    <p:spTree>
+      <p:nvGrpSpPr>
+        <p:cNvPr id="1" name=""/>
+        <p:cNvGrpSpPr/>
+        <p:nvPr/>
+      </p:nvGrpSpPr>
+      <p:grpSpPr>
+        <a:xfrm>
+          <a:off x="0" y="0"/>
+          <a:ext cx="0" cy="0"/>
+          <a:chOff x="0" y="0"/>
+          <a:chExt cx="0" cy="0"/>
+        </a:xfrm>
+      </p:grpSpPr>
+      <p:sp>
+        <p:nvSpPr>
+          <p:cNvPr id="2" name="页眉占位符 1"/>
+          <p:cNvSpPr>
+            <a:spLocks noGrp="1"/>
+          </p:cNvSpPr>
+          <p:nvPr>
+            <p:ph type="hdr" sz="quarter"/>
+          </p:nvPr>
+        </p:nvSpPr>
+        <p:spPr>
+          <a:xfrm>
+            <a:off x="0" y="0"/>
+            <a:ext cx="2971800" cy="458788"/>
+          </a:xfrm>
+          <a:prstGeom prst="rect">
+            <a:avLst/>
+          </a:prstGeom>
+        </p:spPr>
+        <p:txBody>
+          <a:bodyPr vert="horz" lIns="91440" tIns="45720" rIns="91440" bIns="45720" rtlCol="0"/>
+          <a:lstStyle>
+            <a:lvl1pPr algn="l">
+              <a:defRPr sz="1200"/>
+            </a:lvl1pPr>
+          </a:lstStyle>
+          <a:p>
+            <a:endParaRPr kumimoji="1" lang="zh-CN" altLang="en-US"/>
+          </a:p>
+        </p:txBody>
+      </p:sp>
+      <p:sp>
+        <p:nvSpPr>
+          <p:cNvPr id="3" name="日期占位符 2"/>
+          <p:cNvSpPr>
+            <a:spLocks noGrp="1"/>
+          </p:cNvSpPr>
+          <p:nvPr>
+            <p:ph type="dt" idx="1"/>
+          </p:nvPr>
+        </p:nvSpPr>
+        <p:spPr>
+          <a:xfrm>
+            <a:off x="3884613" y="0"/>
+            <a:ext cx="2971800" cy="458788"/>
+          </a:xfrm>
+          <a:prstGeom prst="rect">
+            <a:avLst/>
+          </a:prstGeom>
+        </p:spPr>
+        <p:txBody>
+          <a:bodyPr vert="horz" lIns="91440" tIns="45720" rIns="91440" bIns="45720" rtlCol="0"/>
+          <a:lstStyle>
+            <a:lvl1pPr algn="r">
+              <a:defRPr sz="1200"/>
+            </a:lvl1pPr>
+          </a:lstStyle>
+          <a:p>
+            <a:fld id="{CD601EF5-AA00-C84F-85CA-978FCAD96569}" type="datetimeFigureOut">
+              <a:rPr kumimoji="1" lang="zh-CN" altLang="en-US" smtClean="0"/>
+              <a:t>17/1/22</a:t>
+            </a:fld>
+            <a:endParaRPr kumimoji="1" lang="zh-CN" altLang="en-US"/>
+          </a:p>
+        </p:txBody>
+      </p:sp>
+      <p:sp>
+        <p:nvSpPr>
+          <p:cNvPr id="4" name="幻灯片图像占位符 3"/>
+          <p:cNvSpPr>
+            <a:spLocks noGrp="1" noRot="1" noChangeAspect="1"/>
+          </p:cNvSpPr>
+          <p:nvPr>
+            <p:ph type="sldImg" idx="2"/>
+          </p:nvPr>
+        </p:nvSpPr>
+        <p:spPr>
+          <a:xfrm>
+            <a:off x="685800" y="1143000"/>
+            <a:ext cx="5486400" cy="3086100"/>
+          </a:xfrm>
+          <a:prstGeom prst="rect">
+            <a:avLst/>
+          </a:prstGeom>
+          <a:noFill/>
+          <a:ln w="12700">
+            <a:solidFill>
+              <a:prstClr val="black"/>
+            </a:solidFill>
+          </a:ln>
+        </p:spPr>
+        <p:txBody>
+          <a:bodyPr vert="horz" lIns="91440" tIns="45720" rIns="91440" bIns="45720" rtlCol="0" anchor="ctr"/>
+          <a:lstStyle/>
+          <a:p>
+            <a:endParaRPr lang="zh-CN" altLang="en-US"/>
+          </a:p>
+        </p:txBody>
+      </p:sp>
+      <p:sp>
+        <p:nvSpPr>
+          <p:cNvPr id="5" name="备注占位符 4"/>
+          <p:cNvSpPr>
+            <a:spLocks noGrp="1"/>
+          </p:cNvSpPr>
+          <p:nvPr>
+            <p:ph type="body" sz="quarter" idx="3"/>
+          </p:nvPr>
+        </p:nvSpPr>
+        <p:spPr>
+          <a:xfrm>
+            <a:off x="685800" y="4400550"/>
+            <a:ext cx="5486400" cy="3600450"/>
+          </a:xfrm>
+          <a:prstGeom prst="rect">
+            <a:avLst/>
+          </a:prstGeom>
+        </p:spPr>
+        <p:txBody>
+          <a:bodyPr vert="horz" lIns="91440" tIns="45720" rIns="91440" bIns="45720" rtlCol="0"/>
+          <a:lstStyle/>
+          <a:p>
+            <a:pPr lvl="0"/>
+            <a:r>
+              <a:rPr kumimoji="1" lang="zh-CN" altLang="en-US" smtClean="0"/>
+              <a:t>单击此处编辑母版文本样式</a:t>
+            </a:r>
+          </a:p>
+          <a:p>
+            <a:pPr lvl="1"/>
+            <a:r>
+              <a:rPr kumimoji="1" lang="zh-CN" altLang="en-US" smtClean="0"/>
+              <a:t>二级</a:t>
+            </a:r>
+          </a:p>
+          <a:p>
+            <a:pPr lvl="2"/>
+            <a:r>
+              <a:rPr kumimoji="1" lang="zh-CN" altLang="en-US" smtClean="0"/>
+              <a:t>三级</a:t>
+            </a:r>
+          </a:p>
+          <a:p>
+            <a:pPr lvl="3"/>
+            <a:r>
+              <a:rPr kumimoji="1" lang="zh-CN" altLang="en-US" smtClean="0"/>
+              <a:t>四级</a:t>
+            </a:r>
+          </a:p>
+          <a:p>
+            <a:pPr lvl="4"/>
+            <a:r>
+              <a:rPr kumimoji="1" lang="zh-CN" altLang="en-US" smtClean="0"/>
+              <a:t>五级</a:t>
+            </a:r>
+            <a:endParaRPr kumimoji="1" lang="zh-CN" altLang="en-US"/>
+          </a:p>
+        </p:txBody>
+      </p:sp>
+      <p:sp>
+        <p:nvSpPr>
+          <p:cNvPr id="6" name="页脚占位符 5"/>
+          <p:cNvSpPr>
+            <a:spLocks noGrp="1"/>
+          </p:cNvSpPr>
+          <p:nvPr>
+            <p:ph type="ftr" sz="quarter" idx="4"/>
+          </p:nvPr>
+        </p:nvSpPr>
+        <p:spPr>
+          <a:xfrm>
+            <a:off x="0" y="8685213"/>
+            <a:ext cx="2971800" cy="458787"/>
+          </a:xfrm>
+          <a:prstGeom prst="rect">
+            <a:avLst/>
+          </a:prstGeom>
+        </p:spPr>
+        <p:txBody>
+          <a:bodyPr vert="horz" lIns="91440" tIns="45720" rIns="91440" bIns="45720" rtlCol="0" anchor="b"/>
+          <a:lstStyle>
+            <a:lvl1pPr algn="l">
+              <a:defRPr sz="1200"/>
+            </a:lvl1pPr>
+          </a:lstStyle>
+          <a:p>
+            <a:endParaRPr kumimoji="1" lang="zh-CN" altLang="en-US"/>
+          </a:p>
+        </p:txBody>
+      </p:sp>
+      <p:sp>
+        <p:nvSpPr>
+          <p:cNvPr id="7" name="幻灯片编号占位符 6"/>
+          <p:cNvSpPr>
+            <a:spLocks noGrp="1"/>
+          </p:cNvSpPr>
+          <p:nvPr>
+            <p:ph type="sldNum" sz="quarter" idx="5"/>
+          </p:nvPr>
+        </p:nvSpPr>
+        <p:spPr>
+          <a:xfrm>
+            <a:off x="3884613" y="8685213"/>
+            <a:ext cx="2971800" cy="458787"/>
+          </a:xfrm>
+          <a:prstGeom prst="rect">
+            <a:avLst/>
+          </a:prstGeom>
+        </p:spPr>
+        <p:txBody>
+          <a:bodyPr vert="horz" lIns="91440" tIns="45720" rIns="91440" bIns="45720" rtlCol="0" anchor="b"/>
+          <a:lstStyle>
+            <a:lvl1pPr algn="r">
+              <a:defRPr sz="1200"/>
+            </a:lvl1pPr>
+          </a:lstStyle>
+          <a:p>
+            <a:fld id="{80F02CD3-B4A2-BC49-8596-B08B339A370D}" type="slidenum">
+              <a:rPr kumimoji="1" lang="zh-CN" altLang="en-US" smtClean="0"/>
+              <a:t>‹#›</a:t>
+            </a:fld>
+            <a:endParaRPr kumimoji="1" lang="zh-CN" altLang="en-US"/>
+          </a:p>
+        </p:txBody>
+      </p:sp>
+    </p:spTree>
+    <p:extLst>
+      <p:ext uri="{BB962C8B-B14F-4D97-AF65-F5344CB8AC3E}">
+        <p14:creationId xmlns:p14="http://schemas.microsoft.com/office/powerpoint/2010/main" val="349206030"/>
+      </p:ext>
+    </p:extLst>
+  </p:cSld>
+  <p:clrMap bg1="lt1" tx1="dk1" bg2="lt2" tx2="dk2" accent1="accent1" accent2="accent2" accent3="accent3" accent4="accent4" accent5="accent5" accent6="accent6" hlink="hlink" folHlink="folHlink"/>
+  <p:notesStyle>
+    <a:lvl1pPr marL="0" algn="l" defTabSz="914400" rtl="0" eaLnBrk="1" latinLnBrk="0" hangingPunct="1">
+      <a:defRPr sz="1200" kern="1200">
+        <a:solidFill>
+          <a:schemeClr val="tx1"/>
+        </a:solidFill>
+        <a:latin typeface="+mn-lt"/>
+        <a:ea typeface="+mn-ea"/>
+        <a:cs typeface="+mn-cs"/>
+      </a:defRPr>
+    </a:lvl1pPr>
+    <a:lvl2pPr marL="457200" algn="l" defTabSz="914400" rtl="0" eaLnBrk="1" latinLnBrk="0" hangingPunct="1">
+      <a:defRPr sz="1200" kern="1200">
+        <a:solidFill>
+          <a:schemeClr val="tx1"/>
+        </a:solidFill>
+        <a:latin typeface="+mn-lt"/>
+        <a:ea typeface="+mn-ea"/>
+        <a:cs typeface="+mn-cs"/>
+      </a:defRPr>
+    </a:lvl2pPr>
+    <a:lvl3pPr marL="914400" algn="l" defTabSz="914400" rtl="0" eaLnBrk="1" latinLnBrk="0" hangingPunct="1">
+      <a:defRPr sz="1200" kern="1200">
+        <a:solidFill>
+          <a:schemeClr val="tx1"/>
+        </a:solidFill>
+        <a:latin typeface="+mn-lt"/>
+        <a:ea typeface="+mn-ea"/>
+        <a:cs typeface="+mn-cs"/>
+      </a:defRPr>
+    </a:lvl3pPr>
+    <a:lvl4pPr marL="1371600" algn="l" defTabSz="914400" rtl="0" eaLnBrk="1" latinLnBrk="0" hangingPunct="1">
+      <a:defRPr sz="1200" kern="1200">
+        <a:solidFill>
+          <a:schemeClr val="tx1"/>
+        </a:solidFill>
+        <a:latin typeface="+mn-lt"/>
+        <a:ea typeface="+mn-ea"/>
+        <a:cs typeface="+mn-cs"/>
+      </a:defRPr>
+    </a:lvl4pPr>
+    <a:lvl5pPr marL="1828800" algn="l" defTabSz="914400" rtl="0" eaLnBrk="1" latinLnBrk="0" hangingPunct="1">
+      <a:defRPr sz="1200" kern="1200">
+        <a:solidFill>
+          <a:schemeClr val="tx1"/>
+        </a:solidFill>
+        <a:latin typeface="+mn-lt"/>
+        <a:ea typeface="+mn-ea"/>
+        <a:cs typeface="+mn-cs"/>
+      </a:defRPr>
+    </a:lvl5pPr>
+    <a:lvl6pPr marL="2286000" algn="l" defTabSz="914400" rtl="0" eaLnBrk="1" latinLnBrk="0" hangingPunct="1">
+      <a:defRPr sz="1200" kern="1200">
+        <a:solidFill>
+          <a:schemeClr val="tx1"/>
+        </a:solidFill>
+        <a:latin typeface="+mn-lt"/>
+        <a:ea typeface="+mn-ea"/>
+        <a:cs typeface="+mn-cs"/>
+      </a:defRPr>
+    </a:lvl6pPr>
+    <a:lvl7pPr marL="2743200" algn="l" defTabSz="914400" rtl="0" eaLnBrk="1" latinLnBrk="0" hangingPunct="1">
+      <a:defRPr sz="1200" kern="1200">
+        <a:solidFill>
+          <a:schemeClr val="tx1"/>
+        </a:solidFill>
+        <a:latin typeface="+mn-lt"/>
+        <a:ea typeface="+mn-ea"/>
+        <a:cs typeface="+mn-cs"/>
+      </a:defRPr>
+    </a:lvl7pPr>
+    <a:lvl8pPr marL="3200400" algn="l" defTabSz="914400" rtl="0" eaLnBrk="1" latinLnBrk="0" hangingPunct="1">
+      <a:defRPr sz="1200" kern="1200">
+        <a:solidFill>
+          <a:schemeClr val="tx1"/>
+        </a:solidFill>
+        <a:latin typeface="+mn-lt"/>
+        <a:ea typeface="+mn-ea"/>
+        <a:cs typeface="+mn-cs"/>
+      </a:defRPr>
+    </a:lvl8pPr>
+    <a:lvl9pPr marL="3657600" algn="l" defTabSz="914400" rtl="0" eaLnBrk="1" latinLnBrk="0" hangingPunct="1">
+      <a:defRPr sz="1200" kern="1200">
+        <a:solidFill>
+          <a:schemeClr val="tx1"/>
+        </a:solidFill>
+        <a:latin typeface="+mn-lt"/>
+        <a:ea typeface="+mn-ea"/>
+        <a:cs typeface="+mn-cs"/>
+      </a:defRPr>
+    </a:lvl9pPr>
+  </p:notesStyle>
+</p:notesMaster>
 </file>
 
 <file path=ppt/slideLayouts/slideLayout1.xml><?xml version="1.0" encoding="utf-8"?>
@@ -6038,7 +6406,7 @@
         </p:nvSpPr>
         <p:spPr>
           <a:xfrm>
-            <a:off x="643468" y="2235200"/>
+            <a:off x="643468" y="2260600"/>
             <a:ext cx="10972800" cy="3860799"/>
           </a:xfrm>
           <a:prstGeom prst="rect">
@@ -6078,6 +6446,44 @@
             <a:endParaRPr kumimoji="1" lang="en-US" altLang="zh-CN" sz="2800" dirty="0" smtClean="0"/>
           </a:p>
           <a:p>
+            <a:r>
+              <a:rPr kumimoji="1" lang="en-US" altLang="zh-CN" sz="2800" dirty="0"/>
+              <a:t>	</a:t>
+            </a:r>
+            <a:r>
+              <a:rPr kumimoji="1" lang="zh-CN" altLang="en-US" sz="2800" dirty="0" smtClean="0"/>
+              <a:t>使用拦截器</a:t>
+            </a:r>
+            <a:r>
+              <a:rPr kumimoji="1" lang="en-US" altLang="zh-CN" sz="2800" dirty="0" smtClean="0"/>
+              <a:t>(interceptor)</a:t>
+            </a:r>
+            <a:r>
+              <a:rPr kumimoji="1" lang="zh-CN" altLang="en-US" sz="2800" dirty="0" smtClean="0"/>
+              <a:t>的机制实现，</a:t>
+            </a:r>
+            <a:r>
+              <a:rPr kumimoji="1" lang="en-US" altLang="zh-CN" sz="2800" dirty="0" smtClean="0"/>
+              <a:t>spring</a:t>
+            </a:r>
+            <a:r>
+              <a:rPr kumimoji="1" lang="zh-CN" altLang="en-US" sz="2800" dirty="0" smtClean="0"/>
+              <a:t> </a:t>
+            </a:r>
+            <a:r>
+              <a:rPr kumimoji="1" lang="en-US" altLang="zh-CN" sz="2800" dirty="0" err="1" smtClean="0"/>
+              <a:t>aop</a:t>
+            </a:r>
+            <a:r>
+              <a:rPr kumimoji="1" lang="zh-CN" altLang="en-US" sz="2800" dirty="0" smtClean="0"/>
+              <a:t>的核心也是</a:t>
+            </a:r>
+            <a:r>
+              <a:rPr kumimoji="1" lang="en-US" altLang="zh-CN" sz="2800" dirty="0" smtClean="0"/>
+              <a:t>interceptor.</a:t>
+            </a:r>
+          </a:p>
+          <a:p>
             <a:endParaRPr kumimoji="1" lang="en-US" altLang="zh-CN" sz="2800" dirty="0" smtClean="0"/>
           </a:p>
           <a:p>
@@ -6092,6 +6498,17 @@
             <a:r>
               <a:rPr kumimoji="1" lang="en-US" altLang="zh-CN" sz="2800" dirty="0"/>
               <a:t> </a:t>
+            </a:r>
+            <a:endParaRPr kumimoji="1" lang="en-US" altLang="zh-CN" sz="2800" dirty="0" smtClean="0"/>
+          </a:p>
+          <a:p>
+            <a:r>
+              <a:rPr kumimoji="1" lang="en-US" altLang="zh-CN" sz="2800" dirty="0"/>
+              <a:t>	</a:t>
+            </a:r>
+            <a:r>
+              <a:rPr kumimoji="1" lang="zh-CN" altLang="en-US" sz="2800" dirty="0" smtClean="0"/>
+              <a:t>通过代码织入</a:t>
             </a:r>
             <a:endParaRPr kumimoji="1" lang="en-US" altLang="zh-CN" sz="2800" dirty="0" smtClean="0"/>
           </a:p>
@@ -6107,6 +6524,1645 @@
   <p:clrMapOvr>
     <a:masterClrMapping/>
   </p:clrMapOvr>
+  <p:timing>
+    <p:tnLst>
+      <p:par>
+        <p:cTn id="1" dur="indefinite" restart="never" nodeType="tmRoot"/>
+      </p:par>
+    </p:tnLst>
+  </p:timing>
+</p:sld>
+</file>
+
+<file path=ppt/slides/slide10.xml><?xml version="1.0" encoding="utf-8"?>
+<p:sld xmlns:a="http://schemas.openxmlformats.org/drawingml/2006/main" xmlns:r="http://schemas.openxmlformats.org/officeDocument/2006/relationships" xmlns:p="http://schemas.openxmlformats.org/presentationml/2006/main">
+  <p:cSld>
+    <p:spTree>
+      <p:nvGrpSpPr>
+        <p:cNvPr id="1" name=""/>
+        <p:cNvGrpSpPr/>
+        <p:nvPr/>
+      </p:nvGrpSpPr>
+      <p:grpSpPr>
+        <a:xfrm>
+          <a:off x="0" y="0"/>
+          <a:ext cx="0" cy="0"/>
+          <a:chOff x="0" y="0"/>
+          <a:chExt cx="0" cy="0"/>
+        </a:xfrm>
+      </p:grpSpPr>
+      <p:sp>
+        <p:nvSpPr>
+          <p:cNvPr id="2" name="标题 1"/>
+          <p:cNvSpPr>
+            <a:spLocks noGrp="1"/>
+          </p:cNvSpPr>
+          <p:nvPr>
+            <p:ph type="title"/>
+          </p:nvPr>
+        </p:nvSpPr>
+        <p:spPr>
+          <a:xfrm>
+            <a:off x="646111" y="452718"/>
+            <a:ext cx="9412289" cy="1083982"/>
+          </a:xfrm>
+        </p:spPr>
+        <p:txBody>
+          <a:bodyPr/>
+          <a:lstStyle/>
+          <a:p>
+            <a:pPr lvl="0"/>
+            <a:r>
+              <a:rPr kumimoji="1" lang="zh-CN" altLang="en-US" dirty="0" smtClean="0"/>
+              <a:t>代理对象调用</a:t>
+            </a:r>
+            <a:r>
+              <a:rPr kumimoji="1" lang="en-US" altLang="zh-CN" dirty="0" smtClean="0"/>
+              <a:t>-</a:t>
+            </a:r>
+            <a:r>
+              <a:rPr kumimoji="1" lang="zh-CN" altLang="en-US" sz="2400" dirty="0" smtClean="0"/>
+              <a:t>获取拦截器</a:t>
+            </a:r>
+            <a:r>
+              <a:rPr kumimoji="1" lang="en-US" altLang="zh-CN" sz="2400" dirty="0"/>
+              <a:t/>
+            </a:r>
+            <a:br>
+              <a:rPr kumimoji="1" lang="en-US" altLang="zh-CN" sz="2400" dirty="0"/>
+            </a:br>
+            <a:endParaRPr kumimoji="1" lang="zh-CN" altLang="en-US" sz="2400" dirty="0"/>
+          </a:p>
+        </p:txBody>
+      </p:sp>
+      <p:sp>
+        <p:nvSpPr>
+          <p:cNvPr id="3" name="内容占位符 2"/>
+          <p:cNvSpPr>
+            <a:spLocks noGrp="1"/>
+          </p:cNvSpPr>
+          <p:nvPr>
+            <p:ph idx="1"/>
+          </p:nvPr>
+        </p:nvSpPr>
+        <p:spPr>
+          <a:xfrm>
+            <a:off x="508000" y="1536701"/>
+            <a:ext cx="11544300" cy="4610100"/>
+          </a:xfrm>
+        </p:spPr>
+        <p:txBody>
+          <a:bodyPr>
+            <a:normAutofit lnSpcReduction="10000"/>
+          </a:bodyPr>
+          <a:lstStyle/>
+          <a:p>
+            <a:pPr marL="457200" lvl="0" indent="-457200" defTabSz="914400">
+              <a:spcBef>
+                <a:spcPts val="0"/>
+              </a:spcBef>
+              <a:buClrTx/>
+              <a:buSzTx/>
+              <a:buNone/>
+            </a:pPr>
+            <a:r>
+              <a:rPr lang="zh-CN" altLang="en-US" dirty="0" smtClean="0"/>
+              <a:t>遍历全部的拦截器，调用</a:t>
+            </a:r>
+            <a:r>
+              <a:rPr lang="en-US" altLang="zh-CN" dirty="0" err="1" smtClean="0"/>
+              <a:t>PointCut.ClassFilter</a:t>
+            </a:r>
+            <a:r>
+              <a:rPr lang="zh-CN" altLang="en-US" dirty="0" smtClean="0"/>
+              <a:t>的</a:t>
+            </a:r>
+            <a:r>
+              <a:rPr lang="en-US" altLang="zh-CN" dirty="0" smtClean="0"/>
+              <a:t>match</a:t>
+            </a:r>
+            <a:r>
+              <a:rPr lang="zh-CN" altLang="en-US" dirty="0" smtClean="0"/>
+              <a:t>探测方法是否需要被增强，匹配的拦截器构成了当前方法的拦截器列表</a:t>
+            </a:r>
+            <a:r>
+              <a:rPr lang="zh-CN" altLang="en-US" dirty="0"/>
+              <a:t>。</a:t>
+            </a:r>
+            <a:r>
+              <a:rPr lang="en-US" altLang="zh-CN" dirty="0" err="1" smtClean="0"/>
+              <a:t>PointCut</a:t>
+            </a:r>
+            <a:r>
+              <a:rPr lang="zh-CN" altLang="en-US" dirty="0" smtClean="0"/>
+              <a:t>有以下三种</a:t>
+            </a:r>
+            <a:endParaRPr lang="en-US" altLang="zh-CN" dirty="0" smtClean="0"/>
+          </a:p>
+          <a:p>
+            <a:pPr marL="457200" lvl="0" indent="-457200" defTabSz="914400">
+              <a:spcBef>
+                <a:spcPts val="0"/>
+              </a:spcBef>
+              <a:buClrTx/>
+              <a:buSzTx/>
+              <a:buNone/>
+            </a:pPr>
+            <a:endParaRPr lang="en-US" altLang="zh-CN" dirty="0" smtClean="0"/>
+          </a:p>
+          <a:p>
+            <a:pPr marL="457200" lvl="0" indent="-457200" defTabSz="914400">
+              <a:spcBef>
+                <a:spcPts val="0"/>
+              </a:spcBef>
+              <a:buClrTx/>
+              <a:buSzTx/>
+              <a:buNone/>
+            </a:pPr>
+            <a:r>
+              <a:rPr lang="en-US" altLang="zh-CN" dirty="0" smtClean="0"/>
+              <a:t>1.JdkRegexpMethodPointcut</a:t>
+            </a:r>
+          </a:p>
+          <a:p>
+            <a:pPr marL="457200" lvl="0" indent="-457200" defTabSz="914400">
+              <a:spcBef>
+                <a:spcPts val="0"/>
+              </a:spcBef>
+              <a:buClrTx/>
+              <a:buSzTx/>
+              <a:buNone/>
+            </a:pPr>
+            <a:r>
+              <a:rPr lang="en-US" altLang="zh-CN" dirty="0" smtClean="0"/>
+              <a:t>	</a:t>
+            </a:r>
+            <a:r>
+              <a:rPr lang="zh-CN" altLang="en-US" dirty="0" smtClean="0"/>
+              <a:t>使用</a:t>
+            </a:r>
+            <a:r>
+              <a:rPr lang="en-US" altLang="zh-CN" dirty="0" err="1" smtClean="0"/>
+              <a:t>jdk</a:t>
+            </a:r>
+            <a:r>
+              <a:rPr lang="zh-CN" altLang="en-US" dirty="0" smtClean="0"/>
+              <a:t>的正则对方法签名进行匹配，方法签名为</a:t>
+            </a:r>
+            <a:r>
+              <a:rPr lang="en-US" altLang="zh-CN" dirty="0" err="1" smtClean="0"/>
+              <a:t>class.method</a:t>
+            </a:r>
+            <a:r>
+              <a:rPr lang="en-US" altLang="zh-CN" dirty="0" smtClean="0"/>
+              <a:t>.</a:t>
+            </a:r>
+            <a:r>
+              <a:rPr lang="zh-CN" altLang="en-US" dirty="0" smtClean="0"/>
+              <a:t>如果</a:t>
+            </a:r>
+            <a:endParaRPr lang="en-US" altLang="zh-CN" dirty="0" smtClean="0"/>
+          </a:p>
+          <a:p>
+            <a:pPr marL="457200" lvl="0" indent="-457200" defTabSz="914400">
+              <a:spcBef>
+                <a:spcPts val="0"/>
+              </a:spcBef>
+              <a:buClrTx/>
+              <a:buSzTx/>
+              <a:buNone/>
+            </a:pPr>
+            <a:endParaRPr lang="en-US" altLang="zh-CN" dirty="0" smtClean="0"/>
+          </a:p>
+          <a:p>
+            <a:pPr marL="457200" lvl="0" indent="-457200" defTabSz="914400">
+              <a:spcBef>
+                <a:spcPts val="0"/>
+              </a:spcBef>
+              <a:buClrTx/>
+              <a:buSzTx/>
+              <a:buNone/>
+            </a:pPr>
+            <a:r>
+              <a:rPr lang="en-US" altLang="zh-CN" dirty="0" smtClean="0"/>
+              <a:t>2.NameMatchMethodPointcut</a:t>
+            </a:r>
+          </a:p>
+          <a:p>
+            <a:pPr marL="457200" lvl="0" indent="-457200" defTabSz="914400">
+              <a:spcBef>
+                <a:spcPts val="0"/>
+              </a:spcBef>
+              <a:buClrTx/>
+              <a:buSzTx/>
+              <a:buNone/>
+            </a:pPr>
+            <a:r>
+              <a:rPr lang="en-US" altLang="zh-CN" dirty="0"/>
+              <a:t>	</a:t>
+            </a:r>
+            <a:r>
+              <a:rPr lang="zh-CN" altLang="en-US" dirty="0" smtClean="0"/>
+              <a:t>只匹配方法名称</a:t>
+            </a:r>
+            <a:endParaRPr lang="en-US" altLang="zh-CN" dirty="0" smtClean="0"/>
+          </a:p>
+          <a:p>
+            <a:pPr marL="457200" lvl="0" indent="-457200" defTabSz="914400">
+              <a:spcBef>
+                <a:spcPts val="0"/>
+              </a:spcBef>
+              <a:buClrTx/>
+              <a:buSzTx/>
+              <a:buNone/>
+            </a:pPr>
+            <a:endParaRPr lang="en-US" altLang="zh-CN" dirty="0"/>
+          </a:p>
+          <a:p>
+            <a:pPr marL="457200" lvl="0" indent="-457200" defTabSz="914400">
+              <a:spcBef>
+                <a:spcPts val="0"/>
+              </a:spcBef>
+              <a:buClrTx/>
+              <a:buSzTx/>
+              <a:buNone/>
+            </a:pPr>
+            <a:r>
+              <a:rPr lang="en-US" altLang="zh-CN" dirty="0" smtClean="0"/>
+              <a:t>3.</a:t>
+            </a:r>
+            <a:r>
+              <a:rPr lang="en-US" altLang="zh-CN" dirty="0"/>
+              <a:t> </a:t>
+            </a:r>
+            <a:r>
+              <a:rPr lang="en-US" altLang="zh-CN" dirty="0" err="1" smtClean="0"/>
+              <a:t>AspectJExpressionPointcut</a:t>
+            </a:r>
+            <a:endParaRPr lang="en-US" altLang="zh-CN" dirty="0" smtClean="0"/>
+          </a:p>
+          <a:p>
+            <a:pPr marL="457200" lvl="0" indent="-457200" defTabSz="914400">
+              <a:spcBef>
+                <a:spcPts val="0"/>
+              </a:spcBef>
+              <a:buClrTx/>
+              <a:buSzTx/>
+              <a:buNone/>
+            </a:pPr>
+            <a:r>
+              <a:rPr lang="en-US" altLang="zh-CN" dirty="0"/>
+              <a:t>	</a:t>
+            </a:r>
+            <a:r>
+              <a:rPr lang="zh-CN" altLang="en-US" dirty="0" smtClean="0"/>
+              <a:t>使用</a:t>
+            </a:r>
+            <a:r>
+              <a:rPr lang="en-US" altLang="zh-CN" dirty="0" err="1" smtClean="0"/>
+              <a:t>aspectJ</a:t>
+            </a:r>
+            <a:r>
+              <a:rPr lang="zh-CN" altLang="en-US" dirty="0" smtClean="0"/>
+              <a:t>的表达式语法</a:t>
+            </a:r>
+            <a:endParaRPr lang="en-US" altLang="zh-CN" dirty="0" smtClean="0"/>
+          </a:p>
+          <a:p>
+            <a:pPr marL="457200" lvl="0" indent="-457200" defTabSz="914400">
+              <a:spcBef>
+                <a:spcPts val="0"/>
+              </a:spcBef>
+              <a:buClrTx/>
+              <a:buSzTx/>
+              <a:buNone/>
+            </a:pPr>
+            <a:endParaRPr lang="en-US" altLang="zh-CN" dirty="0"/>
+          </a:p>
+          <a:p>
+            <a:pPr marL="457200" lvl="0" indent="-457200" defTabSz="914400">
+              <a:spcBef>
+                <a:spcPts val="0"/>
+              </a:spcBef>
+              <a:buClrTx/>
+              <a:buSzTx/>
+              <a:buNone/>
+            </a:pPr>
+            <a:r>
+              <a:rPr lang="zh-CN" altLang="en-US" dirty="0" smtClean="0"/>
+              <a:t>拦截器</a:t>
+            </a:r>
+            <a:r>
+              <a:rPr lang="en-US" altLang="zh-CN" dirty="0"/>
+              <a:t>Advisor </a:t>
+            </a:r>
+            <a:r>
+              <a:rPr lang="zh-CN" altLang="en-US" dirty="0" smtClean="0"/>
+              <a:t>会被统一转换成</a:t>
+            </a:r>
+            <a:r>
+              <a:rPr lang="en-US" altLang="zh-CN" dirty="0" err="1" smtClean="0"/>
+              <a:t>MethodInterceptor</a:t>
+            </a:r>
+            <a:r>
+              <a:rPr lang="zh-CN" altLang="en-US" dirty="0" smtClean="0"/>
+              <a:t>。</a:t>
+            </a:r>
+            <a:endParaRPr lang="en-US" altLang="zh-CN" dirty="0" smtClean="0"/>
+          </a:p>
+          <a:p>
+            <a:pPr marL="457200" lvl="0" indent="-457200" defTabSz="914400">
+              <a:spcBef>
+                <a:spcPts val="0"/>
+              </a:spcBef>
+              <a:buClrTx/>
+              <a:buSzTx/>
+              <a:buNone/>
+            </a:pPr>
+            <a:r>
+              <a:rPr lang="en-US" altLang="zh-CN" dirty="0" smtClean="0"/>
+              <a:t>Advice</a:t>
+            </a:r>
+            <a:r>
+              <a:rPr lang="zh-CN" altLang="en-US" dirty="0" smtClean="0"/>
+              <a:t>会被</a:t>
+            </a:r>
+            <a:r>
+              <a:rPr lang="en-US" altLang="zh-CN" sz="1800" dirty="0" err="1" smtClean="0"/>
+              <a:t>AfterReturningAdviceAdapter</a:t>
+            </a:r>
+            <a:r>
+              <a:rPr lang="zh-CN" altLang="en-US" sz="1800" dirty="0" smtClean="0"/>
+              <a:t>，</a:t>
+            </a:r>
+            <a:r>
+              <a:rPr lang="en-US" altLang="zh-CN" sz="1800" dirty="0" err="1" smtClean="0"/>
+              <a:t>MethodBeforeAdviceAdapter</a:t>
+            </a:r>
+            <a:r>
+              <a:rPr lang="zh-CN" altLang="en-US" sz="1800" dirty="0" smtClean="0"/>
+              <a:t>，</a:t>
+            </a:r>
+            <a:r>
+              <a:rPr lang="en-US" altLang="zh-CN" sz="1800" dirty="0"/>
+              <a:t> </a:t>
+            </a:r>
+            <a:r>
+              <a:rPr lang="en-US" altLang="zh-CN" sz="1800" dirty="0" err="1" smtClean="0"/>
+              <a:t>ThrowsAdviceAdapter</a:t>
+            </a:r>
+            <a:r>
+              <a:rPr lang="zh-CN" altLang="en-US" sz="1800" dirty="0" smtClean="0"/>
+              <a:t>适配成对应的</a:t>
+            </a:r>
+            <a:r>
+              <a:rPr lang="en-US" altLang="zh-CN" sz="1800" dirty="0" err="1" smtClean="0"/>
+              <a:t>MethodInterceptor</a:t>
+            </a:r>
+            <a:r>
+              <a:rPr lang="zh-CN" altLang="en-US" sz="1800" dirty="0" smtClean="0"/>
+              <a:t>，如</a:t>
+            </a:r>
+            <a:r>
+              <a:rPr lang="en-US" altLang="zh-CN" sz="1800" dirty="0" err="1" smtClean="0"/>
+              <a:t>MethodBeforeAdvice</a:t>
+            </a:r>
+            <a:r>
+              <a:rPr lang="zh-CN" altLang="en-US" sz="1800" dirty="0" smtClean="0"/>
+              <a:t>  被是配成</a:t>
+            </a:r>
+            <a:r>
+              <a:rPr lang="en-US" altLang="zh-CN" sz="1800" dirty="0" err="1"/>
+              <a:t>MethodBeforeAdviceInterceptor</a:t>
+            </a:r>
+            <a:endParaRPr lang="en-US" altLang="zh-CN" sz="1800" dirty="0" smtClean="0"/>
+          </a:p>
+          <a:p>
+            <a:pPr marL="457200" lvl="0" indent="-457200" defTabSz="914400">
+              <a:spcBef>
+                <a:spcPts val="0"/>
+              </a:spcBef>
+              <a:buClrTx/>
+              <a:buSzTx/>
+              <a:buNone/>
+            </a:pPr>
+            <a:r>
+              <a:rPr lang="en-US" altLang="zh-CN" dirty="0"/>
+              <a:t>	</a:t>
+            </a:r>
+            <a:endParaRPr lang="en-US" altLang="zh-CN" dirty="0" smtClean="0"/>
+          </a:p>
+          <a:p>
+            <a:pPr marL="457200" indent="-457200" defTabSz="914400">
+              <a:spcBef>
+                <a:spcPts val="0"/>
+              </a:spcBef>
+              <a:buClrTx/>
+              <a:buSzTx/>
+              <a:buNone/>
+            </a:pPr>
+            <a:endParaRPr lang="en-US" altLang="zh-CN" dirty="0"/>
+          </a:p>
+        </p:txBody>
+      </p:sp>
+    </p:spTree>
+    <p:extLst>
+      <p:ext uri="{BB962C8B-B14F-4D97-AF65-F5344CB8AC3E}">
+        <p14:creationId xmlns:p14="http://schemas.microsoft.com/office/powerpoint/2010/main" val="1597603486"/>
+      </p:ext>
+    </p:extLst>
+  </p:cSld>
+  <p:clrMapOvr>
+    <a:masterClrMapping/>
+  </p:clrMapOvr>
+  <p:timing>
+    <p:tnLst>
+      <p:par>
+        <p:cTn id="1" dur="indefinite" restart="never" nodeType="tmRoot"/>
+      </p:par>
+    </p:tnLst>
+  </p:timing>
+</p:sld>
+</file>
+
+<file path=ppt/slides/slide11.xml><?xml version="1.0" encoding="utf-8"?>
+<p:sld xmlns:a="http://schemas.openxmlformats.org/drawingml/2006/main" xmlns:r="http://schemas.openxmlformats.org/officeDocument/2006/relationships" xmlns:p="http://schemas.openxmlformats.org/presentationml/2006/main">
+  <p:cSld>
+    <p:spTree>
+      <p:nvGrpSpPr>
+        <p:cNvPr id="1" name=""/>
+        <p:cNvGrpSpPr/>
+        <p:nvPr/>
+      </p:nvGrpSpPr>
+      <p:grpSpPr>
+        <a:xfrm>
+          <a:off x="0" y="0"/>
+          <a:ext cx="0" cy="0"/>
+          <a:chOff x="0" y="0"/>
+          <a:chExt cx="0" cy="0"/>
+        </a:xfrm>
+      </p:grpSpPr>
+      <p:sp>
+        <p:nvSpPr>
+          <p:cNvPr id="2" name="标题 1"/>
+          <p:cNvSpPr>
+            <a:spLocks noGrp="1"/>
+          </p:cNvSpPr>
+          <p:nvPr>
+            <p:ph type="title"/>
+          </p:nvPr>
+        </p:nvSpPr>
+        <p:spPr>
+          <a:xfrm>
+            <a:off x="646111" y="452718"/>
+            <a:ext cx="9412289" cy="1083982"/>
+          </a:xfrm>
+        </p:spPr>
+        <p:txBody>
+          <a:bodyPr/>
+          <a:lstStyle/>
+          <a:p>
+            <a:pPr lvl="0"/>
+            <a:r>
+              <a:rPr kumimoji="1" lang="zh-CN" altLang="en-US" dirty="0" smtClean="0"/>
+              <a:t>代理对象调用</a:t>
+            </a:r>
+            <a:r>
+              <a:rPr kumimoji="1" lang="en-US" altLang="zh-CN" dirty="0" smtClean="0"/>
+              <a:t>-</a:t>
+            </a:r>
+            <a:r>
+              <a:rPr lang="zh-CN" altLang="en-US" sz="2400" dirty="0"/>
+              <a:t>触发调用器</a:t>
+            </a:r>
+            <a:r>
+              <a:rPr kumimoji="1" lang="en-US" altLang="zh-CN" sz="2400" dirty="0"/>
+              <a:t/>
+            </a:r>
+            <a:br>
+              <a:rPr kumimoji="1" lang="en-US" altLang="zh-CN" sz="2400" dirty="0"/>
+            </a:br>
+            <a:endParaRPr kumimoji="1" lang="zh-CN" altLang="en-US" sz="2400" dirty="0"/>
+          </a:p>
+        </p:txBody>
+      </p:sp>
+      <p:sp>
+        <p:nvSpPr>
+          <p:cNvPr id="3" name="内容占位符 2"/>
+          <p:cNvSpPr>
+            <a:spLocks noGrp="1"/>
+          </p:cNvSpPr>
+          <p:nvPr>
+            <p:ph idx="1"/>
+          </p:nvPr>
+        </p:nvSpPr>
+        <p:spPr>
+          <a:xfrm>
+            <a:off x="508000" y="1536700"/>
+            <a:ext cx="11188700" cy="5029200"/>
+          </a:xfrm>
+        </p:spPr>
+        <p:txBody>
+          <a:bodyPr>
+            <a:normAutofit/>
+          </a:bodyPr>
+          <a:lstStyle/>
+          <a:p>
+            <a:pPr marL="457200" lvl="0" indent="-457200" defTabSz="914400">
+              <a:spcBef>
+                <a:spcPts val="0"/>
+              </a:spcBef>
+              <a:buClrTx/>
+              <a:buSzTx/>
+              <a:buNone/>
+            </a:pPr>
+            <a:r>
+              <a:rPr lang="zh-CN" altLang="en-US" dirty="0" smtClean="0"/>
+              <a:t>遍历拦截器</a:t>
+            </a:r>
+            <a:r>
+              <a:rPr lang="en-US" altLang="zh-CN" dirty="0" smtClean="0"/>
+              <a:t>,</a:t>
+            </a:r>
+            <a:r>
+              <a:rPr lang="zh-CN" altLang="en-US" dirty="0" smtClean="0"/>
+              <a:t>如果拦截器列表为空，调用目标方法，否则对拦截器进行调用</a:t>
+            </a:r>
+            <a:r>
+              <a:rPr lang="en-US" altLang="zh-CN" dirty="0" smtClean="0"/>
+              <a:t>.</a:t>
+            </a:r>
+            <a:r>
+              <a:rPr lang="zh-CN" altLang="en-US" dirty="0" smtClean="0"/>
+              <a:t>各种拦截器调用过程：</a:t>
+            </a:r>
+            <a:endParaRPr lang="en-US" altLang="zh-CN" dirty="0" smtClean="0"/>
+          </a:p>
+          <a:p>
+            <a:pPr marL="457200" lvl="0" indent="-457200" defTabSz="914400">
+              <a:spcBef>
+                <a:spcPts val="0"/>
+              </a:spcBef>
+              <a:buClrTx/>
+              <a:buSzTx/>
+              <a:buAutoNum type="arabicPeriod"/>
+            </a:pPr>
+            <a:r>
+              <a:rPr lang="en-US" altLang="zh-CN" dirty="0" err="1" smtClean="0"/>
+              <a:t>MethodBeforeAdviceInterceptor</a:t>
+            </a:r>
+            <a:r>
+              <a:rPr lang="en-US" altLang="zh-CN" dirty="0" smtClean="0"/>
+              <a:t> </a:t>
+            </a:r>
+            <a:endParaRPr lang="en-US" altLang="zh-CN" dirty="0"/>
+          </a:p>
+          <a:p>
+            <a:pPr marL="457200" lvl="0" indent="-457200" defTabSz="914400">
+              <a:spcBef>
+                <a:spcPts val="0"/>
+              </a:spcBef>
+              <a:buClrTx/>
+              <a:buSzTx/>
+              <a:buNone/>
+            </a:pPr>
+            <a:r>
+              <a:rPr lang="zh-CN" altLang="en-US" b="1" dirty="0" smtClean="0"/>
+              <a:t>      先回调</a:t>
+            </a:r>
+            <a:r>
+              <a:rPr lang="en-US" altLang="zh-CN" b="1" dirty="0" smtClean="0"/>
+              <a:t>advice</a:t>
+            </a:r>
+            <a:r>
+              <a:rPr lang="zh-CN" altLang="en-US" b="1" dirty="0" smtClean="0"/>
+              <a:t>的</a:t>
+            </a:r>
+            <a:r>
+              <a:rPr lang="en-US" altLang="zh-CN" b="1" dirty="0" smtClean="0"/>
+              <a:t>before</a:t>
+            </a:r>
+            <a:r>
+              <a:rPr lang="zh-CN" altLang="en-US" b="1" dirty="0" smtClean="0"/>
+              <a:t>方法，然后接着遍历拦截器调用 </a:t>
+            </a:r>
+            <a:r>
+              <a:rPr lang="en-US" altLang="zh-CN" b="1" dirty="0" smtClean="0"/>
+              <a:t> </a:t>
+            </a:r>
+          </a:p>
+          <a:p>
+            <a:pPr marL="457200" lvl="0" indent="-457200" defTabSz="914400">
+              <a:spcBef>
+                <a:spcPts val="0"/>
+              </a:spcBef>
+              <a:buClrTx/>
+              <a:buSzTx/>
+              <a:buNone/>
+            </a:pPr>
+            <a:r>
+              <a:rPr lang="en-US" altLang="zh-CN" b="1" dirty="0" smtClean="0">
+                <a:solidFill>
+                  <a:srgbClr val="FFFF00"/>
+                </a:solidFill>
+              </a:rPr>
+              <a:t>	</a:t>
+            </a:r>
+            <a:r>
+              <a:rPr lang="en-US" altLang="zh-CN" sz="1800" b="1" dirty="0" err="1" smtClean="0">
+                <a:solidFill>
+                  <a:srgbClr val="FFFF00"/>
+                </a:solidFill>
+              </a:rPr>
+              <a:t>this</a:t>
+            </a:r>
+            <a:r>
+              <a:rPr lang="en-US" altLang="zh-CN" sz="1800" dirty="0" err="1" smtClean="0">
+                <a:solidFill>
+                  <a:srgbClr val="FFFF00"/>
+                </a:solidFill>
+              </a:rPr>
+              <a:t>.</a:t>
+            </a:r>
+            <a:r>
+              <a:rPr lang="en-US" altLang="zh-CN" sz="1800" b="1" dirty="0" err="1" smtClean="0">
+                <a:solidFill>
+                  <a:srgbClr val="FFFF00"/>
+                </a:solidFill>
+              </a:rPr>
+              <a:t>advice</a:t>
+            </a:r>
+            <a:r>
+              <a:rPr lang="en-US" altLang="zh-CN" sz="1800" dirty="0" err="1" smtClean="0">
+                <a:solidFill>
+                  <a:srgbClr val="FFFF00"/>
+                </a:solidFill>
+              </a:rPr>
+              <a:t>.before</a:t>
+            </a:r>
+            <a:r>
+              <a:rPr lang="en-US" altLang="zh-CN" sz="1800" dirty="0" smtClean="0">
+                <a:solidFill>
+                  <a:srgbClr val="FFFF00"/>
+                </a:solidFill>
+              </a:rPr>
+              <a:t>(</a:t>
+            </a:r>
+            <a:r>
+              <a:rPr lang="en-US" altLang="zh-CN" sz="1800" dirty="0" err="1" smtClean="0">
+                <a:solidFill>
+                  <a:srgbClr val="FFFF00"/>
+                </a:solidFill>
+              </a:rPr>
+              <a:t>mi.getMethod</a:t>
+            </a:r>
+            <a:r>
+              <a:rPr lang="en-US" altLang="zh-CN" sz="1800" dirty="0">
+                <a:solidFill>
+                  <a:srgbClr val="FFFF00"/>
+                </a:solidFill>
+              </a:rPr>
+              <a:t>(), </a:t>
+            </a:r>
+            <a:r>
+              <a:rPr lang="en-US" altLang="zh-CN" sz="1800" dirty="0" err="1">
+                <a:solidFill>
+                  <a:srgbClr val="FFFF00"/>
+                </a:solidFill>
+              </a:rPr>
+              <a:t>mi.getArguments</a:t>
+            </a:r>
+            <a:r>
+              <a:rPr lang="en-US" altLang="zh-CN" sz="1800" dirty="0">
+                <a:solidFill>
+                  <a:srgbClr val="FFFF00"/>
+                </a:solidFill>
+              </a:rPr>
+              <a:t>(), </a:t>
+            </a:r>
+            <a:r>
+              <a:rPr lang="en-US" altLang="zh-CN" sz="1800" dirty="0" err="1">
+                <a:solidFill>
+                  <a:srgbClr val="FFFF00"/>
+                </a:solidFill>
+              </a:rPr>
+              <a:t>mi.getThis</a:t>
+            </a:r>
+            <a:r>
+              <a:rPr lang="en-US" altLang="zh-CN" sz="1800" dirty="0">
+                <a:solidFill>
+                  <a:srgbClr val="FFFF00"/>
+                </a:solidFill>
+              </a:rPr>
+              <a:t>() );</a:t>
+            </a:r>
+            <a:br>
+              <a:rPr lang="en-US" altLang="zh-CN" sz="1800" dirty="0">
+                <a:solidFill>
+                  <a:srgbClr val="FFFF00"/>
+                </a:solidFill>
+              </a:rPr>
+            </a:br>
+            <a:r>
+              <a:rPr lang="zh-CN" altLang="en-US" sz="1800" dirty="0" smtClean="0">
+                <a:solidFill>
+                  <a:srgbClr val="FFFF00"/>
+                </a:solidFill>
+              </a:rPr>
+              <a:t> </a:t>
+            </a:r>
+            <a:r>
+              <a:rPr lang="en-US" altLang="zh-CN" sz="1800" b="1" dirty="0" smtClean="0">
+                <a:solidFill>
+                  <a:srgbClr val="FFFF00"/>
+                </a:solidFill>
+              </a:rPr>
+              <a:t>return </a:t>
+            </a:r>
+            <a:r>
+              <a:rPr lang="en-US" altLang="zh-CN" sz="1800" dirty="0" err="1">
+                <a:solidFill>
+                  <a:srgbClr val="FFFF00"/>
+                </a:solidFill>
+              </a:rPr>
+              <a:t>mi.proceed</a:t>
+            </a:r>
+            <a:r>
+              <a:rPr lang="en-US" altLang="zh-CN" sz="1800" dirty="0">
+                <a:solidFill>
+                  <a:srgbClr val="FFFF00"/>
+                </a:solidFill>
+              </a:rPr>
+              <a:t>();</a:t>
+            </a:r>
+            <a:endParaRPr lang="en-US" altLang="zh-CN" sz="1800" dirty="0" smtClean="0">
+              <a:solidFill>
+                <a:srgbClr val="FFFF00"/>
+              </a:solidFill>
+            </a:endParaRPr>
+          </a:p>
+          <a:p>
+            <a:pPr marL="457200" lvl="0" indent="-457200" defTabSz="914400">
+              <a:spcBef>
+                <a:spcPts val="0"/>
+              </a:spcBef>
+              <a:buClrTx/>
+              <a:buSzTx/>
+              <a:buNone/>
+            </a:pPr>
+            <a:endParaRPr lang="en-US" altLang="zh-CN" dirty="0" smtClean="0"/>
+          </a:p>
+          <a:p>
+            <a:pPr marL="457200" lvl="0" indent="-457200" defTabSz="914400">
+              <a:spcBef>
+                <a:spcPts val="0"/>
+              </a:spcBef>
+              <a:buClrTx/>
+              <a:buSzTx/>
+              <a:buNone/>
+            </a:pPr>
+            <a:r>
+              <a:rPr lang="en-US" altLang="zh-CN" dirty="0" smtClean="0"/>
+              <a:t>2.</a:t>
+            </a:r>
+            <a:r>
+              <a:rPr lang="en-US" altLang="zh-CN" dirty="0"/>
+              <a:t> </a:t>
+            </a:r>
+            <a:r>
+              <a:rPr lang="en-US" altLang="zh-CN" dirty="0" err="1"/>
+              <a:t>AfterReturningAdviceInterceptor</a:t>
+            </a:r>
+            <a:r>
+              <a:rPr lang="en-US" altLang="zh-CN" dirty="0"/>
+              <a:t> </a:t>
+            </a:r>
+            <a:endParaRPr lang="en-US" altLang="zh-CN" dirty="0" smtClean="0"/>
+          </a:p>
+          <a:p>
+            <a:pPr marL="457200" lvl="0" indent="-457200" defTabSz="914400">
+              <a:spcBef>
+                <a:spcPts val="0"/>
+              </a:spcBef>
+              <a:buClrTx/>
+              <a:buSzTx/>
+              <a:buNone/>
+            </a:pPr>
+            <a:r>
+              <a:rPr lang="en-US" altLang="zh-CN" dirty="0"/>
+              <a:t>	</a:t>
+            </a:r>
+            <a:r>
+              <a:rPr lang="zh-CN" altLang="en-US" dirty="0" smtClean="0"/>
+              <a:t>先接着遍历拦截器</a:t>
+            </a:r>
+            <a:r>
+              <a:rPr lang="en-US" altLang="zh-CN" dirty="0" smtClean="0"/>
+              <a:t>,</a:t>
+            </a:r>
+            <a:r>
+              <a:rPr lang="zh-CN" altLang="en-US" dirty="0" smtClean="0"/>
+              <a:t>最后回调</a:t>
+            </a:r>
+            <a:r>
+              <a:rPr lang="en-US" altLang="zh-CN" dirty="0" smtClean="0"/>
+              <a:t>advice</a:t>
+            </a:r>
+            <a:r>
+              <a:rPr lang="zh-CN" altLang="en-US" dirty="0" smtClean="0"/>
+              <a:t>的</a:t>
+            </a:r>
+            <a:r>
+              <a:rPr lang="en-US" altLang="zh-CN" dirty="0" err="1" smtClean="0"/>
+              <a:t>afterRuting</a:t>
+            </a:r>
+            <a:r>
+              <a:rPr lang="zh-CN" altLang="en-US" dirty="0" smtClean="0"/>
+              <a:t>函数</a:t>
+            </a:r>
+            <a:endParaRPr lang="en-US" altLang="zh-CN" dirty="0" smtClean="0"/>
+          </a:p>
+          <a:p>
+            <a:pPr marL="457200" lvl="0" indent="-457200" defTabSz="914400">
+              <a:spcBef>
+                <a:spcPts val="0"/>
+              </a:spcBef>
+              <a:buClrTx/>
+              <a:buSzTx/>
+              <a:buNone/>
+            </a:pPr>
+            <a:r>
+              <a:rPr lang="en-US" altLang="zh-CN" sz="1800" dirty="0">
+                <a:solidFill>
+                  <a:srgbClr val="FFFF00"/>
+                </a:solidFill>
+              </a:rPr>
+              <a:t>	</a:t>
+            </a:r>
+            <a:r>
+              <a:rPr lang="en-US" altLang="zh-CN" sz="1800" dirty="0" smtClean="0">
+                <a:solidFill>
+                  <a:srgbClr val="FFFF00"/>
+                </a:solidFill>
+              </a:rPr>
+              <a:t>Object </a:t>
+            </a:r>
+            <a:r>
+              <a:rPr lang="en-US" altLang="zh-CN" sz="1800" dirty="0" err="1">
+                <a:solidFill>
+                  <a:srgbClr val="FFFF00"/>
+                </a:solidFill>
+              </a:rPr>
+              <a:t>retVal</a:t>
+            </a:r>
+            <a:r>
+              <a:rPr lang="en-US" altLang="zh-CN" sz="1800" dirty="0">
+                <a:solidFill>
+                  <a:srgbClr val="FFFF00"/>
+                </a:solidFill>
+              </a:rPr>
+              <a:t> = </a:t>
+            </a:r>
+            <a:r>
+              <a:rPr lang="en-US" altLang="zh-CN" sz="1800" dirty="0" err="1">
+                <a:solidFill>
+                  <a:srgbClr val="FFFF00"/>
+                </a:solidFill>
+              </a:rPr>
+              <a:t>mi.proceed</a:t>
+            </a:r>
+            <a:r>
+              <a:rPr lang="en-US" altLang="zh-CN" sz="1800" dirty="0">
+                <a:solidFill>
+                  <a:srgbClr val="FFFF00"/>
+                </a:solidFill>
+              </a:rPr>
+              <a:t>();</a:t>
+            </a:r>
+            <a:br>
+              <a:rPr lang="en-US" altLang="zh-CN" sz="1800" dirty="0">
+                <a:solidFill>
+                  <a:srgbClr val="FFFF00"/>
+                </a:solidFill>
+              </a:rPr>
+            </a:br>
+            <a:r>
+              <a:rPr lang="en-US" altLang="zh-CN" sz="1800" b="1" dirty="0" err="1">
+                <a:solidFill>
+                  <a:srgbClr val="FFFF00"/>
+                </a:solidFill>
+              </a:rPr>
+              <a:t>this</a:t>
+            </a:r>
+            <a:r>
+              <a:rPr lang="en-US" altLang="zh-CN" sz="1800" dirty="0" err="1">
+                <a:solidFill>
+                  <a:srgbClr val="FFFF00"/>
+                </a:solidFill>
+              </a:rPr>
+              <a:t>.</a:t>
+            </a:r>
+            <a:r>
+              <a:rPr lang="en-US" altLang="zh-CN" sz="1800" b="1" dirty="0" err="1">
+                <a:solidFill>
+                  <a:srgbClr val="FFFF00"/>
+                </a:solidFill>
+              </a:rPr>
+              <a:t>advice</a:t>
+            </a:r>
+            <a:r>
+              <a:rPr lang="en-US" altLang="zh-CN" sz="1800" dirty="0" err="1">
+                <a:solidFill>
+                  <a:srgbClr val="FFFF00"/>
+                </a:solidFill>
+              </a:rPr>
+              <a:t>.afterReturning</a:t>
+            </a:r>
+            <a:r>
+              <a:rPr lang="en-US" altLang="zh-CN" sz="1800" dirty="0">
+                <a:solidFill>
+                  <a:srgbClr val="FFFF00"/>
+                </a:solidFill>
+              </a:rPr>
+              <a:t>(</a:t>
+            </a:r>
+            <a:r>
+              <a:rPr lang="en-US" altLang="zh-CN" sz="1800" dirty="0" err="1">
+                <a:solidFill>
+                  <a:srgbClr val="FFFF00"/>
+                </a:solidFill>
+              </a:rPr>
+              <a:t>retVal</a:t>
+            </a:r>
+            <a:r>
+              <a:rPr lang="en-US" altLang="zh-CN" sz="1800" dirty="0">
+                <a:solidFill>
+                  <a:srgbClr val="FFFF00"/>
+                </a:solidFill>
+              </a:rPr>
+              <a:t>, </a:t>
+            </a:r>
+            <a:r>
+              <a:rPr lang="en-US" altLang="zh-CN" sz="1800" dirty="0" err="1">
+                <a:solidFill>
+                  <a:srgbClr val="FFFF00"/>
+                </a:solidFill>
+              </a:rPr>
+              <a:t>mi.getMethod</a:t>
+            </a:r>
+            <a:r>
+              <a:rPr lang="en-US" altLang="zh-CN" sz="1800" dirty="0">
+                <a:solidFill>
+                  <a:srgbClr val="FFFF00"/>
+                </a:solidFill>
+              </a:rPr>
+              <a:t>(), </a:t>
+            </a:r>
+            <a:r>
+              <a:rPr lang="en-US" altLang="zh-CN" sz="1800" dirty="0" err="1">
+                <a:solidFill>
+                  <a:srgbClr val="FFFF00"/>
+                </a:solidFill>
+              </a:rPr>
+              <a:t>mi.getArguments</a:t>
+            </a:r>
+            <a:r>
+              <a:rPr lang="en-US" altLang="zh-CN" sz="1800" dirty="0">
+                <a:solidFill>
+                  <a:srgbClr val="FFFF00"/>
+                </a:solidFill>
+              </a:rPr>
+              <a:t>(), </a:t>
+            </a:r>
+            <a:r>
+              <a:rPr lang="en-US" altLang="zh-CN" sz="1800" dirty="0" err="1">
+                <a:solidFill>
+                  <a:srgbClr val="FFFF00"/>
+                </a:solidFill>
+              </a:rPr>
+              <a:t>mi.getThis</a:t>
+            </a:r>
+            <a:r>
+              <a:rPr lang="en-US" altLang="zh-CN" sz="1800" dirty="0">
+                <a:solidFill>
+                  <a:srgbClr val="FFFF00"/>
+                </a:solidFill>
+              </a:rPr>
+              <a:t>());</a:t>
+            </a:r>
+            <a:br>
+              <a:rPr lang="en-US" altLang="zh-CN" sz="1800" dirty="0">
+                <a:solidFill>
+                  <a:srgbClr val="FFFF00"/>
+                </a:solidFill>
+              </a:rPr>
+            </a:br>
+            <a:r>
+              <a:rPr lang="en-US" altLang="zh-CN" sz="1800" b="1" dirty="0">
+                <a:solidFill>
+                  <a:srgbClr val="FFFF00"/>
+                </a:solidFill>
+              </a:rPr>
+              <a:t>return </a:t>
+            </a:r>
+            <a:r>
+              <a:rPr lang="en-US" altLang="zh-CN" sz="1800" dirty="0" err="1">
+                <a:solidFill>
+                  <a:srgbClr val="FFFF00"/>
+                </a:solidFill>
+              </a:rPr>
+              <a:t>retVal</a:t>
+            </a:r>
+            <a:r>
+              <a:rPr lang="en-US" altLang="zh-CN" sz="1800" dirty="0">
+                <a:solidFill>
+                  <a:srgbClr val="FFFF00"/>
+                </a:solidFill>
+              </a:rPr>
+              <a:t>; </a:t>
+            </a:r>
+            <a:endParaRPr lang="en-US" altLang="zh-CN" sz="1800" dirty="0" smtClean="0">
+              <a:solidFill>
+                <a:srgbClr val="FFFF00"/>
+              </a:solidFill>
+            </a:endParaRPr>
+          </a:p>
+          <a:p>
+            <a:pPr marL="457200" lvl="0" indent="-457200" defTabSz="914400">
+              <a:spcBef>
+                <a:spcPts val="0"/>
+              </a:spcBef>
+              <a:buClrTx/>
+              <a:buSzTx/>
+              <a:buNone/>
+            </a:pPr>
+            <a:endParaRPr lang="en-US" altLang="zh-CN" sz="1800" dirty="0">
+              <a:solidFill>
+                <a:srgbClr val="FFFF00"/>
+              </a:solidFill>
+            </a:endParaRPr>
+          </a:p>
+          <a:p>
+            <a:pPr marL="457200" lvl="0" indent="-457200" defTabSz="914400">
+              <a:spcBef>
+                <a:spcPts val="0"/>
+              </a:spcBef>
+              <a:buClrTx/>
+              <a:buSzTx/>
+              <a:buNone/>
+            </a:pPr>
+            <a:r>
+              <a:rPr lang="en-US" altLang="zh-CN" sz="1800" dirty="0" smtClean="0"/>
+              <a:t>	</a:t>
+            </a:r>
+            <a:r>
+              <a:rPr lang="zh-CN" altLang="en-US" sz="1800" dirty="0" smtClean="0"/>
+              <a:t>调用采用的堆栈结构，所以后开始的拦截器先完成</a:t>
+            </a:r>
+            <a:endParaRPr lang="en-US" altLang="zh-CN" sz="1800" dirty="0" smtClean="0"/>
+          </a:p>
+          <a:p>
+            <a:pPr marL="457200" indent="-457200" defTabSz="914400">
+              <a:spcBef>
+                <a:spcPts val="0"/>
+              </a:spcBef>
+              <a:buClrTx/>
+              <a:buSzTx/>
+              <a:buNone/>
+            </a:pPr>
+            <a:endParaRPr lang="en-US" altLang="zh-CN" dirty="0" smtClean="0"/>
+          </a:p>
+          <a:p>
+            <a:pPr marL="457200" indent="-457200" defTabSz="914400">
+              <a:spcBef>
+                <a:spcPts val="0"/>
+              </a:spcBef>
+              <a:buClrTx/>
+              <a:buSzTx/>
+              <a:buNone/>
+            </a:pPr>
+            <a:endParaRPr lang="en-US" altLang="zh-CN" dirty="0"/>
+          </a:p>
+        </p:txBody>
+      </p:sp>
+    </p:spTree>
+    <p:extLst>
+      <p:ext uri="{BB962C8B-B14F-4D97-AF65-F5344CB8AC3E}">
+        <p14:creationId xmlns:p14="http://schemas.microsoft.com/office/powerpoint/2010/main" val="1505895508"/>
+      </p:ext>
+    </p:extLst>
+  </p:cSld>
+  <p:clrMapOvr>
+    <a:masterClrMapping/>
+  </p:clrMapOvr>
+  <p:timing>
+    <p:tnLst>
+      <p:par>
+        <p:cTn id="1" dur="indefinite" restart="never" nodeType="tmRoot"/>
+      </p:par>
+    </p:tnLst>
+  </p:timing>
+</p:sld>
+</file>
+
+<file path=ppt/slides/slide12.xml><?xml version="1.0" encoding="utf-8"?>
+<p:sld xmlns:a="http://schemas.openxmlformats.org/drawingml/2006/main" xmlns:r="http://schemas.openxmlformats.org/officeDocument/2006/relationships" xmlns:p="http://schemas.openxmlformats.org/presentationml/2006/main">
+  <p:cSld>
+    <p:spTree>
+      <p:nvGrpSpPr>
+        <p:cNvPr id="1" name=""/>
+        <p:cNvGrpSpPr/>
+        <p:nvPr/>
+      </p:nvGrpSpPr>
+      <p:grpSpPr>
+        <a:xfrm>
+          <a:off x="0" y="0"/>
+          <a:ext cx="0" cy="0"/>
+          <a:chOff x="0" y="0"/>
+          <a:chExt cx="0" cy="0"/>
+        </a:xfrm>
+      </p:grpSpPr>
+      <p:sp>
+        <p:nvSpPr>
+          <p:cNvPr id="2" name="标题 1"/>
+          <p:cNvSpPr>
+            <a:spLocks noGrp="1"/>
+          </p:cNvSpPr>
+          <p:nvPr>
+            <p:ph type="title"/>
+          </p:nvPr>
+        </p:nvSpPr>
+        <p:spPr>
+          <a:xfrm>
+            <a:off x="646112" y="452718"/>
+            <a:ext cx="9403742" cy="855382"/>
+          </a:xfrm>
+        </p:spPr>
+        <p:txBody>
+          <a:bodyPr/>
+          <a:lstStyle/>
+          <a:p>
+            <a:r>
+              <a:rPr kumimoji="1" lang="zh-CN" altLang="en-US" dirty="0"/>
+              <a:t>代理对象调用</a:t>
+            </a:r>
+            <a:r>
+              <a:rPr kumimoji="1" lang="en-US" altLang="zh-CN" dirty="0"/>
+              <a:t>-</a:t>
+            </a:r>
+            <a:r>
+              <a:rPr lang="zh-CN" altLang="en-US" sz="2400" dirty="0"/>
+              <a:t>触发调用器</a:t>
+            </a:r>
+            <a:endParaRPr kumimoji="1" lang="zh-CN" altLang="en-US" dirty="0"/>
+          </a:p>
+        </p:txBody>
+      </p:sp>
+      <p:sp>
+        <p:nvSpPr>
+          <p:cNvPr id="3" name="内容占位符 2"/>
+          <p:cNvSpPr>
+            <a:spLocks noGrp="1"/>
+          </p:cNvSpPr>
+          <p:nvPr>
+            <p:ph idx="1"/>
+          </p:nvPr>
+        </p:nvSpPr>
+        <p:spPr>
+          <a:xfrm>
+            <a:off x="825500" y="1485900"/>
+            <a:ext cx="10528300" cy="4762500"/>
+          </a:xfrm>
+        </p:spPr>
+        <p:txBody>
+          <a:bodyPr/>
+          <a:lstStyle/>
+          <a:p>
+            <a:pPr marL="457200" lvl="0" indent="-457200" defTabSz="914400">
+              <a:spcBef>
+                <a:spcPts val="0"/>
+              </a:spcBef>
+              <a:buClrTx/>
+              <a:buSzTx/>
+              <a:buNone/>
+            </a:pPr>
+            <a:r>
+              <a:rPr lang="en-US" altLang="zh-CN" dirty="0"/>
+              <a:t>3. </a:t>
+            </a:r>
+            <a:r>
+              <a:rPr lang="en-US" altLang="zh-CN" dirty="0" err="1" smtClean="0"/>
+              <a:t>ThrowsAdviceInterceptor</a:t>
+            </a:r>
+            <a:endParaRPr lang="en-US" altLang="zh-CN" dirty="0" smtClean="0"/>
+          </a:p>
+          <a:p>
+            <a:pPr marL="457200" lvl="0" indent="-457200" defTabSz="914400">
+              <a:spcBef>
+                <a:spcPts val="0"/>
+              </a:spcBef>
+              <a:buClrTx/>
+              <a:buSzTx/>
+              <a:buNone/>
+            </a:pPr>
+            <a:r>
+              <a:rPr lang="en-US" altLang="zh-CN" dirty="0"/>
+              <a:t>	</a:t>
+            </a:r>
+            <a:r>
+              <a:rPr lang="zh-CN" altLang="en-US" dirty="0" smtClean="0"/>
+              <a:t>将调用用捕捉包裹</a:t>
+            </a:r>
+            <a:r>
+              <a:rPr lang="en-US" altLang="zh-CN" dirty="0" smtClean="0"/>
+              <a:t>,</a:t>
+            </a:r>
+            <a:r>
+              <a:rPr lang="zh-CN" altLang="en-US" dirty="0" smtClean="0"/>
+              <a:t>如果抛出异常，回调异常处理函数</a:t>
+            </a:r>
+            <a:endParaRPr lang="en-US" altLang="zh-CN" dirty="0"/>
+          </a:p>
+          <a:p>
+            <a:pPr marL="457200" lvl="0" indent="-457200" defTabSz="914400">
+              <a:spcBef>
+                <a:spcPts val="0"/>
+              </a:spcBef>
+              <a:buClrTx/>
+              <a:buSzTx/>
+              <a:buNone/>
+            </a:pPr>
+            <a:r>
+              <a:rPr lang="en-US" altLang="zh-CN" b="1" dirty="0"/>
+              <a:t>	</a:t>
+            </a:r>
+            <a:r>
+              <a:rPr lang="en-US" altLang="zh-CN" b="1" dirty="0">
+                <a:solidFill>
+                  <a:srgbClr val="FFFF00"/>
+                </a:solidFill>
+              </a:rPr>
+              <a:t>try </a:t>
+            </a:r>
+            <a:r>
+              <a:rPr lang="en-US" altLang="zh-CN" dirty="0">
+                <a:solidFill>
+                  <a:srgbClr val="FFFF00"/>
+                </a:solidFill>
+              </a:rPr>
+              <a:t>{</a:t>
+            </a:r>
+            <a:br>
+              <a:rPr lang="en-US" altLang="zh-CN" dirty="0">
+                <a:solidFill>
+                  <a:srgbClr val="FFFF00"/>
+                </a:solidFill>
+              </a:rPr>
+            </a:br>
+            <a:r>
+              <a:rPr lang="en-US" altLang="zh-CN" dirty="0">
+                <a:solidFill>
+                  <a:srgbClr val="FFFF00"/>
+                </a:solidFill>
+              </a:rPr>
+              <a:t>   </a:t>
+            </a:r>
+            <a:r>
+              <a:rPr lang="en-US" altLang="zh-CN" b="1" dirty="0">
+                <a:solidFill>
+                  <a:srgbClr val="FFFF00"/>
+                </a:solidFill>
+              </a:rPr>
+              <a:t>return </a:t>
+            </a:r>
+            <a:r>
+              <a:rPr lang="en-US" altLang="zh-CN" dirty="0" err="1">
+                <a:solidFill>
+                  <a:srgbClr val="FFFF00"/>
+                </a:solidFill>
+              </a:rPr>
+              <a:t>mi.proceed</a:t>
+            </a:r>
+            <a:r>
+              <a:rPr lang="en-US" altLang="zh-CN" dirty="0">
+                <a:solidFill>
+                  <a:srgbClr val="FFFF00"/>
+                </a:solidFill>
+              </a:rPr>
+              <a:t>();</a:t>
+            </a:r>
+            <a:br>
+              <a:rPr lang="en-US" altLang="zh-CN" dirty="0">
+                <a:solidFill>
+                  <a:srgbClr val="FFFF00"/>
+                </a:solidFill>
+              </a:rPr>
+            </a:br>
+            <a:r>
+              <a:rPr lang="en-US" altLang="zh-CN" dirty="0">
+                <a:solidFill>
+                  <a:srgbClr val="FFFF00"/>
+                </a:solidFill>
+              </a:rPr>
+              <a:t>}</a:t>
+            </a:r>
+            <a:br>
+              <a:rPr lang="en-US" altLang="zh-CN" dirty="0">
+                <a:solidFill>
+                  <a:srgbClr val="FFFF00"/>
+                </a:solidFill>
+              </a:rPr>
+            </a:br>
+            <a:r>
+              <a:rPr lang="en-US" altLang="zh-CN" b="1" dirty="0">
+                <a:solidFill>
+                  <a:srgbClr val="FFFF00"/>
+                </a:solidFill>
+              </a:rPr>
+              <a:t>catch </a:t>
+            </a:r>
+            <a:r>
+              <a:rPr lang="en-US" altLang="zh-CN" dirty="0">
+                <a:solidFill>
+                  <a:srgbClr val="FFFF00"/>
+                </a:solidFill>
+              </a:rPr>
+              <a:t>(</a:t>
+            </a:r>
+            <a:r>
+              <a:rPr lang="en-US" altLang="zh-CN" dirty="0" err="1">
+                <a:solidFill>
+                  <a:srgbClr val="FFFF00"/>
+                </a:solidFill>
+              </a:rPr>
+              <a:t>Throwable</a:t>
+            </a:r>
+            <a:r>
+              <a:rPr lang="en-US" altLang="zh-CN" dirty="0">
+                <a:solidFill>
+                  <a:srgbClr val="FFFF00"/>
+                </a:solidFill>
+              </a:rPr>
+              <a:t> ex) {</a:t>
+            </a:r>
+            <a:br>
+              <a:rPr lang="en-US" altLang="zh-CN" dirty="0">
+                <a:solidFill>
+                  <a:srgbClr val="FFFF00"/>
+                </a:solidFill>
+              </a:rPr>
+            </a:br>
+            <a:r>
+              <a:rPr lang="en-US" altLang="zh-CN" dirty="0">
+                <a:solidFill>
+                  <a:srgbClr val="FFFF00"/>
+                </a:solidFill>
+              </a:rPr>
+              <a:t>   Method </a:t>
+            </a:r>
+            <a:r>
+              <a:rPr lang="en-US" altLang="zh-CN" dirty="0" err="1">
+                <a:solidFill>
+                  <a:srgbClr val="FFFF00"/>
+                </a:solidFill>
+              </a:rPr>
+              <a:t>handlerMethod</a:t>
+            </a:r>
+            <a:r>
+              <a:rPr lang="en-US" altLang="zh-CN" dirty="0">
+                <a:solidFill>
+                  <a:srgbClr val="FFFF00"/>
+                </a:solidFill>
+              </a:rPr>
+              <a:t> = </a:t>
+            </a:r>
+            <a:r>
+              <a:rPr lang="en-US" altLang="zh-CN" dirty="0" err="1">
+                <a:solidFill>
+                  <a:srgbClr val="FFFF00"/>
+                </a:solidFill>
+              </a:rPr>
+              <a:t>getExceptionHandler</a:t>
+            </a:r>
+            <a:r>
+              <a:rPr lang="en-US" altLang="zh-CN" dirty="0">
+                <a:solidFill>
+                  <a:srgbClr val="FFFF00"/>
+                </a:solidFill>
+              </a:rPr>
+              <a:t>(ex);</a:t>
+            </a:r>
+            <a:br>
+              <a:rPr lang="en-US" altLang="zh-CN" dirty="0">
+                <a:solidFill>
+                  <a:srgbClr val="FFFF00"/>
+                </a:solidFill>
+              </a:rPr>
+            </a:br>
+            <a:r>
+              <a:rPr lang="en-US" altLang="zh-CN" dirty="0">
+                <a:solidFill>
+                  <a:srgbClr val="FFFF00"/>
+                </a:solidFill>
+              </a:rPr>
+              <a:t>   </a:t>
+            </a:r>
+            <a:r>
+              <a:rPr lang="en-US" altLang="zh-CN" b="1" dirty="0">
+                <a:solidFill>
+                  <a:srgbClr val="FFFF00"/>
+                </a:solidFill>
+              </a:rPr>
+              <a:t>if </a:t>
+            </a:r>
+            <a:r>
+              <a:rPr lang="en-US" altLang="zh-CN" dirty="0">
+                <a:solidFill>
+                  <a:srgbClr val="FFFF00"/>
+                </a:solidFill>
+              </a:rPr>
+              <a:t>(</a:t>
+            </a:r>
+            <a:r>
+              <a:rPr lang="en-US" altLang="zh-CN" dirty="0" err="1">
+                <a:solidFill>
+                  <a:srgbClr val="FFFF00"/>
+                </a:solidFill>
+              </a:rPr>
+              <a:t>handlerMethod</a:t>
+            </a:r>
+            <a:r>
+              <a:rPr lang="en-US" altLang="zh-CN" dirty="0">
+                <a:solidFill>
+                  <a:srgbClr val="FFFF00"/>
+                </a:solidFill>
+              </a:rPr>
+              <a:t> != </a:t>
+            </a:r>
+            <a:r>
+              <a:rPr lang="en-US" altLang="zh-CN" b="1" dirty="0">
+                <a:solidFill>
+                  <a:srgbClr val="FFFF00"/>
+                </a:solidFill>
+              </a:rPr>
+              <a:t>null</a:t>
+            </a:r>
+            <a:r>
+              <a:rPr lang="en-US" altLang="zh-CN" dirty="0">
+                <a:solidFill>
+                  <a:srgbClr val="FFFF00"/>
+                </a:solidFill>
+              </a:rPr>
+              <a:t>) {</a:t>
+            </a:r>
+            <a:br>
+              <a:rPr lang="en-US" altLang="zh-CN" dirty="0">
+                <a:solidFill>
+                  <a:srgbClr val="FFFF00"/>
+                </a:solidFill>
+              </a:rPr>
+            </a:br>
+            <a:r>
+              <a:rPr lang="en-US" altLang="zh-CN" dirty="0">
+                <a:solidFill>
+                  <a:srgbClr val="FFFF00"/>
+                </a:solidFill>
+              </a:rPr>
+              <a:t>      </a:t>
+            </a:r>
+            <a:r>
+              <a:rPr lang="en-US" altLang="zh-CN" dirty="0" err="1">
+                <a:solidFill>
+                  <a:srgbClr val="FFFF00"/>
+                </a:solidFill>
+              </a:rPr>
+              <a:t>invokeHandlerMethod</a:t>
+            </a:r>
+            <a:r>
+              <a:rPr lang="en-US" altLang="zh-CN" dirty="0">
+                <a:solidFill>
+                  <a:srgbClr val="FFFF00"/>
+                </a:solidFill>
+              </a:rPr>
+              <a:t>(mi, ex, </a:t>
+            </a:r>
+            <a:r>
+              <a:rPr lang="en-US" altLang="zh-CN" dirty="0" err="1">
+                <a:solidFill>
+                  <a:srgbClr val="FFFF00"/>
+                </a:solidFill>
+              </a:rPr>
+              <a:t>handlerMethod</a:t>
+            </a:r>
+            <a:r>
+              <a:rPr lang="en-US" altLang="zh-CN" dirty="0">
+                <a:solidFill>
+                  <a:srgbClr val="FFFF00"/>
+                </a:solidFill>
+              </a:rPr>
+              <a:t>);</a:t>
+            </a:r>
+            <a:br>
+              <a:rPr lang="en-US" altLang="zh-CN" dirty="0">
+                <a:solidFill>
+                  <a:srgbClr val="FFFF00"/>
+                </a:solidFill>
+              </a:rPr>
+            </a:br>
+            <a:r>
+              <a:rPr lang="en-US" altLang="zh-CN" dirty="0">
+                <a:solidFill>
+                  <a:srgbClr val="FFFF00"/>
+                </a:solidFill>
+              </a:rPr>
+              <a:t>   }</a:t>
+            </a:r>
+            <a:br>
+              <a:rPr lang="en-US" altLang="zh-CN" dirty="0">
+                <a:solidFill>
+                  <a:srgbClr val="FFFF00"/>
+                </a:solidFill>
+              </a:rPr>
+            </a:br>
+            <a:r>
+              <a:rPr lang="en-US" altLang="zh-CN" dirty="0">
+                <a:solidFill>
+                  <a:srgbClr val="FFFF00"/>
+                </a:solidFill>
+              </a:rPr>
+              <a:t>   </a:t>
+            </a:r>
+            <a:r>
+              <a:rPr lang="en-US" altLang="zh-CN" b="1" dirty="0">
+                <a:solidFill>
+                  <a:srgbClr val="FFFF00"/>
+                </a:solidFill>
+              </a:rPr>
+              <a:t>throw </a:t>
+            </a:r>
+            <a:r>
+              <a:rPr lang="en-US" altLang="zh-CN" dirty="0">
+                <a:solidFill>
+                  <a:srgbClr val="FFFF00"/>
+                </a:solidFill>
+              </a:rPr>
+              <a:t>ex;</a:t>
+            </a:r>
+            <a:br>
+              <a:rPr lang="en-US" altLang="zh-CN" dirty="0">
+                <a:solidFill>
+                  <a:srgbClr val="FFFF00"/>
+                </a:solidFill>
+              </a:rPr>
+            </a:br>
+            <a:r>
+              <a:rPr lang="en-US" altLang="zh-CN" dirty="0">
+                <a:solidFill>
+                  <a:srgbClr val="FFFF00"/>
+                </a:solidFill>
+              </a:rPr>
+              <a:t>} 	</a:t>
+            </a:r>
+          </a:p>
+          <a:p>
+            <a:pPr marL="0" marR="0" lvl="0" indent="0" defTabSz="914400" eaLnBrk="1" fontAlgn="auto" latinLnBrk="0" hangingPunct="1">
+              <a:lnSpc>
+                <a:spcPct val="100000"/>
+              </a:lnSpc>
+              <a:spcBef>
+                <a:spcPts val="0"/>
+              </a:spcBef>
+              <a:spcAft>
+                <a:spcPts val="0"/>
+              </a:spcAft>
+              <a:buClrTx/>
+              <a:buSzTx/>
+              <a:buFontTx/>
+              <a:buNone/>
+              <a:tabLst/>
+              <a:defRPr/>
+            </a:pPr>
+            <a:endParaRPr kumimoji="1" lang="zh-CN" altLang="en-US" dirty="0"/>
+          </a:p>
+        </p:txBody>
+      </p:sp>
+    </p:spTree>
+    <p:extLst>
+      <p:ext uri="{BB962C8B-B14F-4D97-AF65-F5344CB8AC3E}">
+        <p14:creationId xmlns:p14="http://schemas.microsoft.com/office/powerpoint/2010/main" val="826741811"/>
+      </p:ext>
+    </p:extLst>
+  </p:cSld>
+  <p:clrMapOvr>
+    <a:masterClrMapping/>
+  </p:clrMapOvr>
+  <p:timing>
+    <p:tnLst>
+      <p:par>
+        <p:cTn id="1" dur="indefinite" restart="never" nodeType="tmRoot"/>
+      </p:par>
+    </p:tnLst>
+  </p:timing>
 </p:sld>
 </file>
 
@@ -6227,11 +8283,7 @@
             </a:pPr>
             <a:r>
               <a:rPr kumimoji="1" lang="en-US" altLang="zh-CN" dirty="0" smtClean="0"/>
-              <a:t>1.Advice </a:t>
-            </a:r>
-            <a:r>
-              <a:rPr kumimoji="1" lang="en-US" altLang="zh-CN" dirty="0"/>
-              <a:t>:</a:t>
+              <a:t>1.</a:t>
             </a:r>
             <a:r>
               <a:rPr kumimoji="1" lang="zh-CN" altLang="en-US" dirty="0" smtClean="0"/>
@@ -6249,14 +8301,29 @@
               <a:buNone/>
             </a:pPr>
             <a:r>
+              <a:rPr kumimoji="1" lang="zh-CN" altLang="en-US" dirty="0"/>
+              <a:t> </a:t>
+            </a:r>
+            <a:r>
               <a:rPr kumimoji="1" lang="en-US" altLang="zh-CN" dirty="0"/>
               <a:t>	</a:t>
             </a:r>
             <a:r>
               <a:rPr kumimoji="1" lang="zh-CN" altLang="en-US" dirty="0" smtClean="0"/>
+              <a:t>一般定义为</a:t>
+            </a:r>
+            <a:r>
+              <a:rPr kumimoji="1" lang="en-US" altLang="zh-CN" dirty="0" smtClean="0"/>
+              <a:t>Advice,</a:t>
+            </a:r>
+            <a:r>
+              <a:rPr kumimoji="1" lang="zh-CN" altLang="en-US" dirty="0" smtClean="0"/>
               <a:t>用于增强对象功能的类</a:t>
             </a:r>
-            <a:endParaRPr kumimoji="1" lang="en-US" altLang="zh-CN" dirty="0" smtClean="0"/>
+            <a:r>
+              <a:rPr kumimoji="1" lang="en-US" altLang="zh-CN" dirty="0" smtClean="0"/>
+              <a:t>.</a:t>
+            </a:r>
           </a:p>
           <a:p>
             <a:pPr marL="0" indent="0" defTabSz="914400">
@@ -6309,7 +8376,7 @@
               <a:rPr kumimoji="1" lang="zh-CN" altLang="en-US" dirty="0" smtClean="0"/>
               <a:t>定义了查找目标对象的规则</a:t>
             </a:r>
-            <a:endParaRPr kumimoji="1" lang="en-US" altLang="zh-CN" smtClean="0"/>
+            <a:endParaRPr kumimoji="1" lang="en-US" altLang="zh-CN" dirty="0" smtClean="0"/>
           </a:p>
           <a:p>
             <a:pPr marL="0" indent="0" defTabSz="914400">
@@ -6416,6 +8483,2159 @@
   <p:clrMapOvr>
     <a:masterClrMapping/>
   </p:clrMapOvr>
+  <p:timing>
+    <p:tnLst>
+      <p:par>
+        <p:cTn id="1" dur="indefinite" restart="never" nodeType="tmRoot"/>
+      </p:par>
+    </p:tnLst>
+  </p:timing>
+</p:sld>
+</file>
+
+<file path=ppt/slides/slide3.xml><?xml version="1.0" encoding="utf-8"?>
+<p:sld xmlns:a="http://schemas.openxmlformats.org/drawingml/2006/main" xmlns:r="http://schemas.openxmlformats.org/officeDocument/2006/relationships" xmlns:p="http://schemas.openxmlformats.org/presentationml/2006/main">
+  <p:cSld>
+    <p:spTree>
+      <p:nvGrpSpPr>
+        <p:cNvPr id="1" name=""/>
+        <p:cNvGrpSpPr/>
+        <p:nvPr/>
+      </p:nvGrpSpPr>
+      <p:grpSpPr>
+        <a:xfrm>
+          <a:off x="0" y="0"/>
+          <a:ext cx="0" cy="0"/>
+          <a:chOff x="0" y="0"/>
+          <a:chExt cx="0" cy="0"/>
+        </a:xfrm>
+      </p:grpSpPr>
+      <p:sp>
+        <p:nvSpPr>
+          <p:cNvPr id="2" name="标题 1"/>
+          <p:cNvSpPr>
+            <a:spLocks noGrp="1"/>
+          </p:cNvSpPr>
+          <p:nvPr>
+            <p:ph type="title"/>
+          </p:nvPr>
+        </p:nvSpPr>
+        <p:spPr/>
+        <p:txBody>
+          <a:bodyPr/>
+          <a:lstStyle/>
+          <a:p>
+            <a:r>
+              <a:rPr kumimoji="1" lang="zh-CN" altLang="en-US" dirty="0" smtClean="0"/>
+              <a:t>增强类型</a:t>
+            </a:r>
+            <a:endParaRPr kumimoji="1" lang="zh-CN" altLang="en-US" dirty="0"/>
+          </a:p>
+        </p:txBody>
+      </p:sp>
+      <p:sp>
+        <p:nvSpPr>
+          <p:cNvPr id="3" name="内容占位符 2"/>
+          <p:cNvSpPr>
+            <a:spLocks noGrp="1"/>
+          </p:cNvSpPr>
+          <p:nvPr>
+            <p:ph idx="1"/>
+          </p:nvPr>
+        </p:nvSpPr>
+        <p:spPr>
+          <a:xfrm>
+            <a:off x="646111" y="1625600"/>
+            <a:ext cx="9403743" cy="4622799"/>
+          </a:xfrm>
+        </p:spPr>
+        <p:txBody>
+          <a:bodyPr>
+            <a:normAutofit/>
+          </a:bodyPr>
+          <a:lstStyle/>
+          <a:p>
+            <a:pPr marL="0" marR="0" lvl="0" indent="0" defTabSz="914400" eaLnBrk="1" fontAlgn="auto" latinLnBrk="0" hangingPunct="1">
+              <a:lnSpc>
+                <a:spcPct val="100000"/>
+              </a:lnSpc>
+              <a:spcBef>
+                <a:spcPts val="0"/>
+              </a:spcBef>
+              <a:spcAft>
+                <a:spcPts val="0"/>
+              </a:spcAft>
+              <a:buClrTx/>
+              <a:buSzTx/>
+              <a:buFontTx/>
+              <a:buNone/>
+              <a:tabLst/>
+              <a:defRPr/>
+            </a:pPr>
+            <a:r>
+              <a:rPr kumimoji="1" lang="en-US" altLang="zh-CN" sz="2800" dirty="0" smtClean="0"/>
+              <a:t>1.advice</a:t>
+            </a:r>
+            <a:r>
+              <a:rPr kumimoji="1" lang="zh-CN" altLang="en-US" sz="2800" dirty="0" smtClean="0"/>
+              <a:t> </a:t>
+            </a:r>
+            <a:r>
+              <a:rPr kumimoji="1" lang="zh-CN" altLang="en-US" sz="2800" dirty="0" smtClean="0"/>
+              <a:t>有三种类型的实现</a:t>
+            </a:r>
+            <a:endParaRPr kumimoji="1" lang="en-US" altLang="zh-CN" sz="2800" dirty="0" smtClean="0"/>
+          </a:p>
+          <a:p>
+            <a:pPr marL="0" lvl="0" indent="0" defTabSz="914400">
+              <a:spcBef>
+                <a:spcPts val="0"/>
+              </a:spcBef>
+              <a:buClrTx/>
+              <a:buSzTx/>
+              <a:buNone/>
+            </a:pPr>
+            <a:r>
+              <a:rPr kumimoji="1" lang="en-US" altLang="zh-CN" sz="2800" dirty="0" smtClean="0"/>
+              <a:t>	</a:t>
+            </a:r>
+            <a:r>
+              <a:rPr lang="en-US" altLang="zh-CN" sz="2800" dirty="0" err="1" smtClean="0"/>
+              <a:t>MethodBeforeAdvice</a:t>
+            </a:r>
+            <a:r>
+              <a:rPr lang="zh-CN" altLang="en-US" sz="2800" dirty="0" smtClean="0"/>
+              <a:t>：调用前</a:t>
+            </a:r>
+            <a:endParaRPr kumimoji="1" lang="en-US" altLang="zh-CN" sz="2800" dirty="0" smtClean="0"/>
+          </a:p>
+          <a:p>
+            <a:pPr marL="0" lvl="0" indent="0" defTabSz="914400">
+              <a:spcBef>
+                <a:spcPts val="0"/>
+              </a:spcBef>
+              <a:buClrTx/>
+              <a:buSzTx/>
+              <a:buNone/>
+            </a:pPr>
+            <a:r>
+              <a:rPr kumimoji="1" lang="en-US" altLang="zh-CN" sz="2800" dirty="0"/>
+              <a:t>	</a:t>
+            </a:r>
+            <a:r>
+              <a:rPr lang="en-US" altLang="zh-CN" sz="2800" dirty="0" err="1" smtClean="0"/>
+              <a:t>AfterReturningAdvice</a:t>
+            </a:r>
+            <a:r>
+              <a:rPr lang="en-US" altLang="zh-CN" sz="2800" dirty="0" smtClean="0"/>
+              <a:t>:</a:t>
+            </a:r>
+            <a:r>
+              <a:rPr lang="zh-CN" altLang="en-US" sz="2800" dirty="0" smtClean="0"/>
+              <a:t> 调用后</a:t>
+            </a:r>
+            <a:endParaRPr lang="en-US" altLang="zh-CN" sz="2800" dirty="0" smtClean="0"/>
+          </a:p>
+          <a:p>
+            <a:pPr marL="0" lvl="0" indent="0" defTabSz="914400">
+              <a:spcBef>
+                <a:spcPts val="0"/>
+              </a:spcBef>
+              <a:buClrTx/>
+              <a:buSzTx/>
+              <a:buNone/>
+            </a:pPr>
+            <a:r>
+              <a:rPr kumimoji="1" lang="en-US" altLang="zh-CN" sz="2800" dirty="0"/>
+              <a:t>	</a:t>
+            </a:r>
+            <a:r>
+              <a:rPr lang="en-US" altLang="zh-CN" sz="2800" dirty="0" err="1" smtClean="0"/>
+              <a:t>ThrowsAdvice</a:t>
+            </a:r>
+            <a:r>
+              <a:rPr lang="zh-CN" altLang="en-US" sz="2800" dirty="0" smtClean="0"/>
+              <a:t> </a:t>
+            </a:r>
+            <a:r>
+              <a:rPr lang="en-US" altLang="zh-CN" sz="2800" dirty="0" smtClean="0"/>
+              <a:t>:</a:t>
+            </a:r>
+            <a:r>
+              <a:rPr lang="zh-CN" altLang="en-US" sz="2800" dirty="0" smtClean="0"/>
+              <a:t>异常回调</a:t>
+            </a:r>
+            <a:endParaRPr lang="en-US" altLang="zh-CN" sz="2800" dirty="0" smtClean="0"/>
+          </a:p>
+          <a:p>
+            <a:pPr marL="0" lvl="0" indent="0" defTabSz="914400">
+              <a:spcBef>
+                <a:spcPts val="0"/>
+              </a:spcBef>
+              <a:buClrTx/>
+              <a:buSzTx/>
+              <a:buNone/>
+            </a:pPr>
+            <a:r>
+              <a:rPr kumimoji="1" lang="en-US" altLang="zh-CN" sz="2800" dirty="0"/>
+              <a:t>	</a:t>
+            </a:r>
+            <a:endParaRPr kumimoji="1" lang="en-US" altLang="zh-CN" sz="2800" dirty="0" smtClean="0"/>
+          </a:p>
+          <a:p>
+            <a:pPr marL="0" marR="0" lvl="0" indent="0" defTabSz="914400" eaLnBrk="1" fontAlgn="auto" latinLnBrk="0" hangingPunct="1">
+              <a:lnSpc>
+                <a:spcPct val="100000"/>
+              </a:lnSpc>
+              <a:spcBef>
+                <a:spcPts val="0"/>
+              </a:spcBef>
+              <a:spcAft>
+                <a:spcPts val="0"/>
+              </a:spcAft>
+              <a:buClrTx/>
+              <a:buSzTx/>
+              <a:buFontTx/>
+              <a:buNone/>
+              <a:tabLst/>
+              <a:defRPr/>
+            </a:pPr>
+            <a:r>
+              <a:rPr kumimoji="1" lang="en-US" altLang="zh-CN" sz="2800" dirty="0"/>
+              <a:t>	</a:t>
+            </a:r>
+            <a:endParaRPr kumimoji="1" lang="en-US" altLang="zh-CN" sz="2800" dirty="0" smtClean="0"/>
+          </a:p>
+          <a:p>
+            <a:pPr marL="0" marR="0" lvl="0" indent="0" defTabSz="914400" eaLnBrk="1" fontAlgn="auto" latinLnBrk="0" hangingPunct="1">
+              <a:lnSpc>
+                <a:spcPct val="100000"/>
+              </a:lnSpc>
+              <a:spcBef>
+                <a:spcPts val="0"/>
+              </a:spcBef>
+              <a:spcAft>
+                <a:spcPts val="0"/>
+              </a:spcAft>
+              <a:buClrTx/>
+              <a:buSzTx/>
+              <a:buFontTx/>
+              <a:buNone/>
+              <a:tabLst/>
+              <a:defRPr/>
+            </a:pPr>
+            <a:r>
+              <a:rPr kumimoji="1" lang="en-US" altLang="zh-CN" sz="2800" dirty="0"/>
+              <a:t>	</a:t>
+            </a:r>
+            <a:endParaRPr kumimoji="1" lang="en-US" altLang="zh-CN" sz="2800" dirty="0" smtClean="0"/>
+          </a:p>
+          <a:p>
+            <a:pPr marL="0" marR="0" lvl="0" indent="0" defTabSz="914400" eaLnBrk="1" fontAlgn="auto" latinLnBrk="0" hangingPunct="1">
+              <a:lnSpc>
+                <a:spcPct val="100000"/>
+              </a:lnSpc>
+              <a:spcBef>
+                <a:spcPts val="0"/>
+              </a:spcBef>
+              <a:spcAft>
+                <a:spcPts val="0"/>
+              </a:spcAft>
+              <a:buClrTx/>
+              <a:buSzTx/>
+              <a:buFontTx/>
+              <a:buNone/>
+              <a:tabLst/>
+              <a:defRPr/>
+            </a:pPr>
+            <a:r>
+              <a:rPr kumimoji="1" lang="en-US" altLang="zh-CN" sz="2800" dirty="0" smtClean="0"/>
+              <a:t>2.interceptor</a:t>
+            </a:r>
+          </a:p>
+          <a:p>
+            <a:pPr marL="0" lvl="0" indent="0" defTabSz="914400">
+              <a:spcBef>
+                <a:spcPts val="0"/>
+              </a:spcBef>
+              <a:buClrTx/>
+              <a:buSzTx/>
+              <a:buNone/>
+            </a:pPr>
+            <a:r>
+              <a:rPr kumimoji="1" lang="zh-CN" altLang="en-US" sz="2800" dirty="0"/>
+              <a:t> </a:t>
+            </a:r>
+            <a:r>
+              <a:rPr kumimoji="1" lang="zh-CN" altLang="en-US" sz="2800" dirty="0" smtClean="0"/>
+              <a:t>     </a:t>
+            </a:r>
+            <a:r>
+              <a:rPr lang="en-US" altLang="zh-CN" sz="2800" dirty="0" err="1" smtClean="0"/>
+              <a:t>MethodInterceptor</a:t>
+            </a:r>
+            <a:r>
+              <a:rPr lang="zh-CN" altLang="en-US" sz="2800" dirty="0" smtClean="0"/>
+              <a:t> </a:t>
+            </a:r>
+            <a:r>
+              <a:rPr lang="zh-CN" altLang="en-US" sz="2800" smtClean="0"/>
+              <a:t>：方法拦截器</a:t>
+            </a:r>
+            <a:endParaRPr kumimoji="1" lang="en-US" altLang="zh-CN" sz="2800" dirty="0" smtClean="0"/>
+          </a:p>
+          <a:p>
+            <a:pPr marL="0" marR="0" lvl="0" indent="0" defTabSz="914400" eaLnBrk="1" fontAlgn="auto" latinLnBrk="0" hangingPunct="1">
+              <a:lnSpc>
+                <a:spcPct val="100000"/>
+              </a:lnSpc>
+              <a:spcBef>
+                <a:spcPts val="0"/>
+              </a:spcBef>
+              <a:spcAft>
+                <a:spcPts val="0"/>
+              </a:spcAft>
+              <a:buClrTx/>
+              <a:buSzTx/>
+              <a:buFontTx/>
+              <a:buNone/>
+              <a:tabLst/>
+              <a:defRPr/>
+            </a:pPr>
+            <a:r>
+              <a:rPr kumimoji="1" lang="zh-CN" altLang="en-US" sz="2800" dirty="0"/>
+              <a:t> </a:t>
+            </a:r>
+            <a:r>
+              <a:rPr kumimoji="1" lang="zh-CN" altLang="en-US" sz="2800" dirty="0" smtClean="0"/>
+              <a:t>    </a:t>
+            </a:r>
+            <a:endParaRPr kumimoji="1" lang="zh-CN" altLang="en-US" sz="2800" dirty="0"/>
+          </a:p>
+        </p:txBody>
+      </p:sp>
+    </p:spTree>
+    <p:extLst>
+      <p:ext uri="{BB962C8B-B14F-4D97-AF65-F5344CB8AC3E}">
+        <p14:creationId xmlns:p14="http://schemas.microsoft.com/office/powerpoint/2010/main" val="578425672"/>
+      </p:ext>
+    </p:extLst>
+  </p:cSld>
+  <p:clrMapOvr>
+    <a:masterClrMapping/>
+  </p:clrMapOvr>
+  <p:timing>
+    <p:tnLst>
+      <p:par>
+        <p:cTn id="1" dur="indefinite" restart="never" nodeType="tmRoot"/>
+      </p:par>
+    </p:tnLst>
+  </p:timing>
+</p:sld>
+</file>
+
+<file path=ppt/slides/slide4.xml><?xml version="1.0" encoding="utf-8"?>
+<p:sld xmlns:a="http://schemas.openxmlformats.org/drawingml/2006/main" xmlns:r="http://schemas.openxmlformats.org/officeDocument/2006/relationships" xmlns:p="http://schemas.openxmlformats.org/presentationml/2006/main">
+  <p:cSld>
+    <p:spTree>
+      <p:nvGrpSpPr>
+        <p:cNvPr id="1" name=""/>
+        <p:cNvGrpSpPr/>
+        <p:nvPr/>
+      </p:nvGrpSpPr>
+      <p:grpSpPr>
+        <a:xfrm>
+          <a:off x="0" y="0"/>
+          <a:ext cx="0" cy="0"/>
+          <a:chOff x="0" y="0"/>
+          <a:chExt cx="0" cy="0"/>
+        </a:xfrm>
+      </p:grpSpPr>
+      <p:sp>
+        <p:nvSpPr>
+          <p:cNvPr id="2" name="标题 1"/>
+          <p:cNvSpPr>
+            <a:spLocks noGrp="1"/>
+          </p:cNvSpPr>
+          <p:nvPr>
+            <p:ph type="title"/>
+          </p:nvPr>
+        </p:nvSpPr>
+        <p:spPr>
+          <a:xfrm>
+            <a:off x="646111" y="452718"/>
+            <a:ext cx="9412289" cy="1083982"/>
+          </a:xfrm>
+        </p:spPr>
+        <p:txBody>
+          <a:bodyPr/>
+          <a:lstStyle/>
+          <a:p>
+            <a:r>
+              <a:rPr kumimoji="1" lang="en-US" altLang="zh-CN" dirty="0" smtClean="0"/>
+              <a:t>Advice</a:t>
+            </a:r>
+            <a:endParaRPr kumimoji="1" lang="zh-CN" altLang="en-US" dirty="0"/>
+          </a:p>
+        </p:txBody>
+      </p:sp>
+      <p:sp>
+        <p:nvSpPr>
+          <p:cNvPr id="3" name="内容占位符 2"/>
+          <p:cNvSpPr>
+            <a:spLocks noGrp="1"/>
+          </p:cNvSpPr>
+          <p:nvPr>
+            <p:ph idx="1"/>
+          </p:nvPr>
+        </p:nvSpPr>
+        <p:spPr>
+          <a:xfrm>
+            <a:off x="508000" y="1536700"/>
+            <a:ext cx="11049000" cy="4660901"/>
+          </a:xfrm>
+        </p:spPr>
+        <p:txBody>
+          <a:bodyPr/>
+          <a:lstStyle/>
+          <a:p>
+            <a:pPr marL="457200" lvl="0" indent="-457200" defTabSz="914400">
+              <a:spcBef>
+                <a:spcPts val="0"/>
+              </a:spcBef>
+              <a:buClrTx/>
+              <a:buSzTx/>
+              <a:buNone/>
+            </a:pPr>
+            <a:r>
+              <a:rPr lang="en-US" altLang="zh-CN" dirty="0" smtClean="0"/>
+              <a:t>1.MethodBeforeAdvice</a:t>
+            </a:r>
+          </a:p>
+          <a:p>
+            <a:pPr marL="457200" lvl="0" indent="-457200" defTabSz="914400">
+              <a:spcBef>
+                <a:spcPts val="0"/>
+              </a:spcBef>
+              <a:buClrTx/>
+              <a:buSzTx/>
+              <a:buNone/>
+            </a:pPr>
+            <a:r>
+              <a:rPr lang="en-US" altLang="zh-CN" dirty="0"/>
+              <a:t>	</a:t>
+            </a:r>
+            <a:r>
+              <a:rPr lang="zh-CN" altLang="en-US" dirty="0" smtClean="0"/>
+              <a:t>在方法调用前回调，回调函数</a:t>
+            </a:r>
+            <a:endParaRPr lang="en-US" altLang="zh-CN" dirty="0" smtClean="0"/>
+          </a:p>
+          <a:p>
+            <a:pPr marL="457200" lvl="0" indent="-457200" defTabSz="914400">
+              <a:spcBef>
+                <a:spcPts val="0"/>
+              </a:spcBef>
+              <a:buClrTx/>
+              <a:buSzTx/>
+              <a:buNone/>
+            </a:pPr>
+            <a:r>
+              <a:rPr lang="zh-CN" altLang="en-US" b="1" dirty="0"/>
+              <a:t> </a:t>
+            </a:r>
+            <a:r>
+              <a:rPr lang="zh-CN" altLang="en-US" b="1" dirty="0" smtClean="0"/>
+              <a:t>     </a:t>
+            </a:r>
+            <a:r>
+              <a:rPr lang="en-US" altLang="zh-CN" sz="1800" b="1" dirty="0" smtClean="0"/>
+              <a:t>void </a:t>
+            </a:r>
+            <a:r>
+              <a:rPr lang="en-US" altLang="zh-CN" sz="1800" dirty="0"/>
+              <a:t>before(Method method, Object[] </a:t>
+            </a:r>
+            <a:r>
+              <a:rPr lang="en-US" altLang="zh-CN" sz="1800" dirty="0" err="1"/>
+              <a:t>args</a:t>
+            </a:r>
+            <a:r>
+              <a:rPr lang="en-US" altLang="zh-CN" sz="1800" dirty="0"/>
+              <a:t>, Object target) </a:t>
+            </a:r>
+            <a:r>
+              <a:rPr lang="en-US" altLang="zh-CN" sz="1800" b="1" dirty="0"/>
+              <a:t>throws </a:t>
+            </a:r>
+            <a:r>
+              <a:rPr lang="en-US" altLang="zh-CN" sz="1800" dirty="0" err="1"/>
+              <a:t>Throwable</a:t>
+            </a:r>
+            <a:r>
+              <a:rPr lang="en-US" altLang="zh-CN" sz="1800" dirty="0"/>
+              <a:t>;</a:t>
+            </a:r>
+            <a:br>
+              <a:rPr lang="en-US" altLang="zh-CN" sz="1800" dirty="0"/>
+            </a:br>
+            <a:endParaRPr lang="en-US" altLang="zh-CN" sz="1800" dirty="0" smtClean="0"/>
+          </a:p>
+          <a:p>
+            <a:pPr marL="457200" lvl="0" indent="-457200" defTabSz="914400">
+              <a:spcBef>
+                <a:spcPts val="0"/>
+              </a:spcBef>
+              <a:buClrTx/>
+              <a:buSzTx/>
+              <a:buNone/>
+            </a:pPr>
+            <a:r>
+              <a:rPr lang="en-US" altLang="zh-CN" dirty="0" smtClean="0"/>
+              <a:t>2.</a:t>
+            </a:r>
+            <a:r>
+              <a:rPr lang="en-US" altLang="zh-CN" dirty="0"/>
+              <a:t> </a:t>
+            </a:r>
+            <a:r>
+              <a:rPr lang="en-US" altLang="zh-CN" dirty="0" err="1" smtClean="0"/>
+              <a:t>AfterReturningAdvice</a:t>
+            </a:r>
+            <a:endParaRPr lang="en-US" altLang="zh-CN" dirty="0" smtClean="0"/>
+          </a:p>
+          <a:p>
+            <a:pPr marL="457200" lvl="0" indent="-457200" defTabSz="914400">
+              <a:spcBef>
+                <a:spcPts val="0"/>
+              </a:spcBef>
+              <a:buClrTx/>
+              <a:buSzTx/>
+              <a:buNone/>
+            </a:pPr>
+            <a:r>
+              <a:rPr lang="en-US" altLang="zh-CN" dirty="0" smtClean="0"/>
+              <a:t>	</a:t>
+            </a:r>
+            <a:r>
+              <a:rPr lang="zh-CN" altLang="en-US" dirty="0" smtClean="0"/>
+              <a:t>在方法调用结束后回调</a:t>
+            </a:r>
+            <a:r>
+              <a:rPr lang="en-US" altLang="zh-CN" dirty="0" smtClean="0"/>
+              <a:t>,</a:t>
+            </a:r>
+            <a:r>
+              <a:rPr lang="zh-CN" altLang="en-US" dirty="0" smtClean="0"/>
+              <a:t>回调函数</a:t>
+            </a:r>
+            <a:endParaRPr lang="en-US" altLang="zh-CN" dirty="0" smtClean="0"/>
+          </a:p>
+          <a:p>
+            <a:pPr marL="457200" lvl="0" indent="-457200" defTabSz="914400">
+              <a:spcBef>
+                <a:spcPts val="0"/>
+              </a:spcBef>
+              <a:buClrTx/>
+              <a:buSzTx/>
+              <a:buNone/>
+            </a:pPr>
+            <a:r>
+              <a:rPr lang="zh-CN" altLang="en-US" sz="1800" b="1" dirty="0" smtClean="0"/>
+              <a:t>       </a:t>
+            </a:r>
+            <a:r>
+              <a:rPr lang="en-US" altLang="zh-CN" sz="1800" b="1" dirty="0" smtClean="0"/>
+              <a:t>void </a:t>
+            </a:r>
+            <a:r>
+              <a:rPr lang="en-US" altLang="zh-CN" sz="1800" dirty="0" err="1"/>
+              <a:t>afterReturning</a:t>
+            </a:r>
+            <a:r>
+              <a:rPr lang="en-US" altLang="zh-CN" sz="1800" dirty="0"/>
+              <a:t>(Object </a:t>
+            </a:r>
+            <a:r>
+              <a:rPr lang="en-US" altLang="zh-CN" sz="1800" dirty="0" err="1"/>
+              <a:t>returnValue</a:t>
+            </a:r>
+            <a:r>
+              <a:rPr lang="en-US" altLang="zh-CN" sz="1800" dirty="0"/>
+              <a:t>, Method method, Object[] </a:t>
+            </a:r>
+            <a:r>
+              <a:rPr lang="en-US" altLang="zh-CN" sz="1800" dirty="0" err="1"/>
+              <a:t>args</a:t>
+            </a:r>
+            <a:r>
+              <a:rPr lang="en-US" altLang="zh-CN" sz="1800" dirty="0"/>
+              <a:t>, Object target) </a:t>
+            </a:r>
+            <a:r>
+              <a:rPr lang="en-US" altLang="zh-CN" sz="1800" b="1" dirty="0"/>
+              <a:t>throws </a:t>
+            </a:r>
+            <a:r>
+              <a:rPr lang="en-US" altLang="zh-CN" sz="1800" dirty="0" err="1"/>
+              <a:t>Throwable</a:t>
+            </a:r>
+            <a:r>
+              <a:rPr lang="en-US" altLang="zh-CN" sz="1800" dirty="0" smtClean="0"/>
+              <a:t>;</a:t>
+            </a:r>
+          </a:p>
+          <a:p>
+            <a:pPr marL="457200" lvl="0" indent="-457200" defTabSz="914400">
+              <a:spcBef>
+                <a:spcPts val="0"/>
+              </a:spcBef>
+              <a:buClrTx/>
+              <a:buSzTx/>
+              <a:buNone/>
+            </a:pPr>
+            <a:endParaRPr lang="en-US" altLang="zh-CN" sz="1800" dirty="0" smtClean="0"/>
+          </a:p>
+          <a:p>
+            <a:pPr marL="457200" lvl="0" indent="-457200" defTabSz="914400">
+              <a:spcBef>
+                <a:spcPts val="0"/>
+              </a:spcBef>
+              <a:buClrTx/>
+              <a:buSzTx/>
+              <a:buNone/>
+            </a:pPr>
+            <a:r>
+              <a:rPr lang="en-US" altLang="zh-CN" dirty="0" smtClean="0"/>
+              <a:t>3.</a:t>
+            </a:r>
+            <a:r>
+              <a:rPr lang="en-US" altLang="zh-CN" dirty="0"/>
+              <a:t> </a:t>
+            </a:r>
+            <a:r>
+              <a:rPr lang="en-US" altLang="zh-CN" dirty="0" err="1" smtClean="0"/>
+              <a:t>ThrowsAdvice</a:t>
+            </a:r>
+            <a:endParaRPr lang="en-US" altLang="zh-CN" dirty="0" smtClean="0"/>
+          </a:p>
+          <a:p>
+            <a:pPr marL="457200" lvl="0" indent="-457200" defTabSz="914400">
+              <a:spcBef>
+                <a:spcPts val="0"/>
+              </a:spcBef>
+              <a:buClrTx/>
+              <a:buSzTx/>
+              <a:buNone/>
+            </a:pPr>
+            <a:r>
+              <a:rPr lang="en-US" altLang="zh-CN" dirty="0"/>
+              <a:t>	</a:t>
+            </a:r>
+            <a:r>
+              <a:rPr lang="zh-CN" altLang="en-US" dirty="0" smtClean="0"/>
+              <a:t>抛出异常时回调</a:t>
+            </a:r>
+            <a:r>
+              <a:rPr lang="en-US" altLang="zh-CN" dirty="0" smtClean="0"/>
+              <a:t>,</a:t>
+            </a:r>
+            <a:r>
+              <a:rPr lang="zh-CN" altLang="en-US" dirty="0" smtClean="0"/>
+              <a:t>回调函数</a:t>
+            </a:r>
+            <a:endParaRPr lang="en-US" altLang="zh-CN" dirty="0" smtClean="0"/>
+          </a:p>
+          <a:p>
+            <a:pPr marL="457200" lvl="0" indent="-457200" defTabSz="914400">
+              <a:spcBef>
+                <a:spcPts val="0"/>
+              </a:spcBef>
+              <a:buClrTx/>
+              <a:buSzTx/>
+              <a:buNone/>
+            </a:pPr>
+            <a:r>
+              <a:rPr lang="en-US" altLang="zh-CN" sz="1800" b="1" dirty="0" smtClean="0"/>
+              <a:t>	public </a:t>
+            </a:r>
+            <a:r>
+              <a:rPr lang="en-US" altLang="zh-CN" sz="1800" b="1" dirty="0"/>
+              <a:t>void </a:t>
+            </a:r>
+            <a:r>
+              <a:rPr lang="en-US" altLang="zh-CN" sz="1800" dirty="0" err="1"/>
+              <a:t>afterThrowing</a:t>
+            </a:r>
+            <a:r>
+              <a:rPr lang="en-US" altLang="zh-CN" sz="1800" dirty="0"/>
+              <a:t>(Exception ex) </a:t>
+            </a:r>
+            <a:r>
+              <a:rPr lang="en-US" altLang="zh-CN" sz="1800" b="1" dirty="0"/>
+              <a:t>throws </a:t>
+            </a:r>
+            <a:r>
+              <a:rPr lang="en-US" altLang="zh-CN" sz="1800" dirty="0" err="1"/>
+              <a:t>Throwable</a:t>
+            </a:r>
+            <a:r>
+              <a:rPr lang="en-US" altLang="zh-CN" sz="1800" dirty="0"/>
+              <a:t> </a:t>
+            </a:r>
+            <a:endParaRPr lang="en-US" altLang="zh-CN" sz="1800" dirty="0" smtClean="0"/>
+          </a:p>
+        </p:txBody>
+      </p:sp>
+    </p:spTree>
+    <p:extLst>
+      <p:ext uri="{BB962C8B-B14F-4D97-AF65-F5344CB8AC3E}">
+        <p14:creationId xmlns:p14="http://schemas.microsoft.com/office/powerpoint/2010/main" val="210321313"/>
+      </p:ext>
+    </p:extLst>
+  </p:cSld>
+  <p:clrMapOvr>
+    <a:masterClrMapping/>
+  </p:clrMapOvr>
+  <p:timing>
+    <p:tnLst>
+      <p:par>
+        <p:cTn id="1" dur="indefinite" restart="never" nodeType="tmRoot"/>
+      </p:par>
+    </p:tnLst>
+  </p:timing>
+</p:sld>
+</file>
+
+<file path=ppt/slides/slide5.xml><?xml version="1.0" encoding="utf-8"?>
+<p:sld xmlns:a="http://schemas.openxmlformats.org/drawingml/2006/main" xmlns:r="http://schemas.openxmlformats.org/officeDocument/2006/relationships" xmlns:p="http://schemas.openxmlformats.org/presentationml/2006/main">
+  <p:cSld>
+    <p:spTree>
+      <p:nvGrpSpPr>
+        <p:cNvPr id="1" name=""/>
+        <p:cNvGrpSpPr/>
+        <p:nvPr/>
+      </p:nvGrpSpPr>
+      <p:grpSpPr>
+        <a:xfrm>
+          <a:off x="0" y="0"/>
+          <a:ext cx="0" cy="0"/>
+          <a:chOff x="0" y="0"/>
+          <a:chExt cx="0" cy="0"/>
+        </a:xfrm>
+      </p:grpSpPr>
+      <p:sp>
+        <p:nvSpPr>
+          <p:cNvPr id="2" name="标题 1"/>
+          <p:cNvSpPr>
+            <a:spLocks noGrp="1"/>
+          </p:cNvSpPr>
+          <p:nvPr>
+            <p:ph type="title"/>
+          </p:nvPr>
+        </p:nvSpPr>
+        <p:spPr>
+          <a:xfrm>
+            <a:off x="646111" y="452718"/>
+            <a:ext cx="9412289" cy="1083982"/>
+          </a:xfrm>
+        </p:spPr>
+        <p:txBody>
+          <a:bodyPr/>
+          <a:lstStyle/>
+          <a:p>
+            <a:pPr lvl="0"/>
+            <a:r>
+              <a:rPr kumimoji="1" lang="zh-CN" altLang="en-US" dirty="0" smtClean="0"/>
+              <a:t>增强</a:t>
+            </a:r>
+            <a:r>
+              <a:rPr kumimoji="1" lang="en-US" altLang="zh-CN" dirty="0" smtClean="0"/>
+              <a:t>-</a:t>
+            </a:r>
+            <a:r>
+              <a:rPr kumimoji="1" lang="en-US" altLang="zh-CN" dirty="0"/>
+              <a:t>interceptor</a:t>
+            </a:r>
+            <a:br>
+              <a:rPr kumimoji="1" lang="en-US" altLang="zh-CN" dirty="0"/>
+            </a:br>
+            <a:endParaRPr kumimoji="1" lang="zh-CN" altLang="en-US" dirty="0"/>
+          </a:p>
+        </p:txBody>
+      </p:sp>
+      <p:sp>
+        <p:nvSpPr>
+          <p:cNvPr id="3" name="内容占位符 2"/>
+          <p:cNvSpPr>
+            <a:spLocks noGrp="1"/>
+          </p:cNvSpPr>
+          <p:nvPr>
+            <p:ph idx="1"/>
+          </p:nvPr>
+        </p:nvSpPr>
+        <p:spPr>
+          <a:xfrm>
+            <a:off x="508000" y="1536700"/>
+            <a:ext cx="11049000" cy="4660901"/>
+          </a:xfrm>
+        </p:spPr>
+        <p:txBody>
+          <a:bodyPr/>
+          <a:lstStyle/>
+          <a:p>
+            <a:pPr marL="457200" lvl="0" indent="-457200" defTabSz="914400">
+              <a:spcBef>
+                <a:spcPts val="0"/>
+              </a:spcBef>
+              <a:buClrTx/>
+              <a:buSzTx/>
+              <a:buNone/>
+            </a:pPr>
+            <a:r>
+              <a:rPr lang="en-US" altLang="zh-CN" dirty="0" smtClean="0"/>
+              <a:t>1.MethodInterceptor</a:t>
+            </a:r>
+          </a:p>
+          <a:p>
+            <a:pPr marL="457200" lvl="0" indent="-457200" defTabSz="914400">
+              <a:spcBef>
+                <a:spcPts val="0"/>
+              </a:spcBef>
+              <a:buClrTx/>
+              <a:buSzTx/>
+              <a:buNone/>
+            </a:pPr>
+            <a:r>
+              <a:rPr lang="en-US" altLang="zh-CN" dirty="0"/>
+              <a:t>	</a:t>
+            </a:r>
+            <a:r>
+              <a:rPr lang="zh-CN" altLang="en-US" dirty="0" smtClean="0"/>
+              <a:t>在</a:t>
+            </a:r>
+            <a:r>
+              <a:rPr lang="en-US" altLang="zh-CN" sz="1800" dirty="0" err="1" smtClean="0"/>
+              <a:t>MethodBeforeAdvice</a:t>
+            </a:r>
+            <a:r>
+              <a:rPr lang="zh-CN" altLang="en-US" sz="1800" dirty="0" smtClean="0"/>
+              <a:t>和</a:t>
+            </a:r>
+            <a:r>
+              <a:rPr lang="en-US" altLang="zh-CN" sz="1800" dirty="0" err="1" smtClean="0"/>
+              <a:t>AfterReturningAdvice</a:t>
+            </a:r>
+            <a:r>
+              <a:rPr lang="zh-CN" altLang="en-US" sz="1800" dirty="0" smtClean="0"/>
+              <a:t>中被回调，回调函数</a:t>
+            </a:r>
+            <a:endParaRPr lang="en-US" altLang="zh-CN" sz="1800" dirty="0" smtClean="0"/>
+          </a:p>
+          <a:p>
+            <a:pPr marL="457200" lvl="0" indent="-457200" defTabSz="914400">
+              <a:spcBef>
+                <a:spcPts val="0"/>
+              </a:spcBef>
+              <a:buClrTx/>
+              <a:buSzTx/>
+              <a:buNone/>
+            </a:pPr>
+            <a:r>
+              <a:rPr lang="en-US" altLang="zh-CN" sz="1800" dirty="0" smtClean="0"/>
+              <a:t>	Object </a:t>
+            </a:r>
+            <a:r>
+              <a:rPr lang="en-US" altLang="zh-CN" sz="1800" dirty="0"/>
+              <a:t>invoke(</a:t>
+            </a:r>
+            <a:r>
+              <a:rPr lang="en-US" altLang="zh-CN" sz="1800" dirty="0" err="1"/>
+              <a:t>MethodInvocation</a:t>
+            </a:r>
+            <a:r>
+              <a:rPr lang="en-US" altLang="zh-CN" sz="1800" dirty="0"/>
+              <a:t> invocation) </a:t>
+            </a:r>
+            <a:r>
+              <a:rPr lang="en-US" altLang="zh-CN" sz="1800" b="1" dirty="0"/>
+              <a:t>throws </a:t>
+            </a:r>
+            <a:r>
+              <a:rPr lang="en-US" altLang="zh-CN" sz="1800" dirty="0" err="1"/>
+              <a:t>Throwable</a:t>
+            </a:r>
+            <a:r>
+              <a:rPr lang="en-US" altLang="zh-CN" sz="1800" dirty="0"/>
+              <a:t>;</a:t>
+            </a:r>
+            <a:endParaRPr lang="en-US" altLang="zh-CN" sz="1800" dirty="0" smtClean="0"/>
+          </a:p>
+        </p:txBody>
+      </p:sp>
+    </p:spTree>
+    <p:extLst>
+      <p:ext uri="{BB962C8B-B14F-4D97-AF65-F5344CB8AC3E}">
+        <p14:creationId xmlns:p14="http://schemas.microsoft.com/office/powerpoint/2010/main" val="32938959"/>
+      </p:ext>
+    </p:extLst>
+  </p:cSld>
+  <p:clrMapOvr>
+    <a:masterClrMapping/>
+  </p:clrMapOvr>
+  <p:timing>
+    <p:tnLst>
+      <p:par>
+        <p:cTn id="1" dur="indefinite" restart="never" nodeType="tmRoot"/>
+      </p:par>
+    </p:tnLst>
+  </p:timing>
+</p:sld>
+</file>
+
+<file path=ppt/slides/slide6.xml><?xml version="1.0" encoding="utf-8"?>
+<p:sld xmlns:a="http://schemas.openxmlformats.org/drawingml/2006/main" xmlns:r="http://schemas.openxmlformats.org/officeDocument/2006/relationships" xmlns:p="http://schemas.openxmlformats.org/presentationml/2006/main">
+  <p:cSld>
+    <p:spTree>
+      <p:nvGrpSpPr>
+        <p:cNvPr id="1" name=""/>
+        <p:cNvGrpSpPr/>
+        <p:nvPr/>
+      </p:nvGrpSpPr>
+      <p:grpSpPr>
+        <a:xfrm>
+          <a:off x="0" y="0"/>
+          <a:ext cx="0" cy="0"/>
+          <a:chOff x="0" y="0"/>
+          <a:chExt cx="0" cy="0"/>
+        </a:xfrm>
+      </p:grpSpPr>
+      <p:sp>
+        <p:nvSpPr>
+          <p:cNvPr id="2" name="标题 1"/>
+          <p:cNvSpPr>
+            <a:spLocks noGrp="1"/>
+          </p:cNvSpPr>
+          <p:nvPr>
+            <p:ph type="title"/>
+          </p:nvPr>
+        </p:nvSpPr>
+        <p:spPr>
+          <a:xfrm>
+            <a:off x="646111" y="452718"/>
+            <a:ext cx="9412289" cy="1083982"/>
+          </a:xfrm>
+        </p:spPr>
+        <p:txBody>
+          <a:bodyPr/>
+          <a:lstStyle/>
+          <a:p>
+            <a:pPr lvl="0"/>
+            <a:r>
+              <a:rPr kumimoji="1" lang="en-US" altLang="zh-CN" dirty="0" err="1" smtClean="0"/>
+              <a:t>Aop</a:t>
+            </a:r>
+            <a:r>
+              <a:rPr kumimoji="1" lang="zh-CN" altLang="en-US" dirty="0" smtClean="0"/>
+              <a:t>创建过程</a:t>
+            </a:r>
+            <a:r>
+              <a:rPr kumimoji="1" lang="en-US" altLang="zh-CN" dirty="0"/>
+              <a:t/>
+            </a:r>
+            <a:br>
+              <a:rPr kumimoji="1" lang="en-US" altLang="zh-CN" dirty="0"/>
+            </a:br>
+            <a:endParaRPr kumimoji="1" lang="zh-CN" altLang="en-US" dirty="0"/>
+          </a:p>
+        </p:txBody>
+      </p:sp>
+      <p:sp>
+        <p:nvSpPr>
+          <p:cNvPr id="3" name="内容占位符 2"/>
+          <p:cNvSpPr>
+            <a:spLocks noGrp="1"/>
+          </p:cNvSpPr>
+          <p:nvPr>
+            <p:ph idx="1"/>
+          </p:nvPr>
+        </p:nvSpPr>
+        <p:spPr>
+          <a:xfrm>
+            <a:off x="508000" y="1536700"/>
+            <a:ext cx="11049000" cy="4660901"/>
+          </a:xfrm>
+        </p:spPr>
+        <p:txBody>
+          <a:bodyPr/>
+          <a:lstStyle/>
+          <a:p>
+            <a:pPr marL="457200" lvl="0" indent="-457200" defTabSz="914400">
+              <a:spcBef>
+                <a:spcPts val="0"/>
+              </a:spcBef>
+              <a:buClrTx/>
+              <a:buSzTx/>
+              <a:buNone/>
+            </a:pPr>
+            <a:r>
+              <a:rPr lang="en-US" altLang="zh-CN" dirty="0" smtClean="0"/>
+              <a:t>1.</a:t>
+            </a:r>
+            <a:r>
+              <a:rPr lang="zh-CN" altLang="en-US" dirty="0" smtClean="0"/>
+              <a:t>初始化拦截器链</a:t>
+            </a:r>
+            <a:endParaRPr lang="en-US" altLang="zh-CN" dirty="0" smtClean="0"/>
+          </a:p>
+          <a:p>
+            <a:pPr marL="457200" lvl="0" indent="-457200" defTabSz="914400">
+              <a:spcBef>
+                <a:spcPts val="0"/>
+              </a:spcBef>
+              <a:buClrTx/>
+              <a:buSzTx/>
+              <a:buNone/>
+            </a:pPr>
+            <a:r>
+              <a:rPr lang="en-US" altLang="zh-CN" dirty="0"/>
+              <a:t>	</a:t>
+            </a:r>
+            <a:r>
+              <a:rPr lang="zh-CN" altLang="en-US" dirty="0" smtClean="0"/>
+              <a:t>将所有拦截器统一转成</a:t>
+            </a:r>
+            <a:r>
+              <a:rPr lang="en-US" altLang="zh-CN" dirty="0" smtClean="0"/>
+              <a:t>Advisor,</a:t>
+            </a:r>
+            <a:r>
+              <a:rPr lang="zh-CN" altLang="en-US" dirty="0" smtClean="0"/>
+              <a:t>注册到拦截器列表中</a:t>
+            </a:r>
+            <a:endParaRPr lang="en-US" altLang="zh-CN" dirty="0" smtClean="0"/>
+          </a:p>
+          <a:p>
+            <a:pPr marL="457200" lvl="0" indent="-457200" defTabSz="914400">
+              <a:spcBef>
+                <a:spcPts val="0"/>
+              </a:spcBef>
+              <a:buClrTx/>
+              <a:buSzTx/>
+              <a:buNone/>
+            </a:pPr>
+            <a:r>
+              <a:rPr lang="en-US" altLang="zh-CN" dirty="0" smtClean="0"/>
+              <a:t>	</a:t>
+            </a:r>
+          </a:p>
+          <a:p>
+            <a:pPr marL="457200" lvl="0" indent="-457200" defTabSz="914400">
+              <a:spcBef>
+                <a:spcPts val="0"/>
+              </a:spcBef>
+              <a:buClrTx/>
+              <a:buSzTx/>
+              <a:buNone/>
+            </a:pPr>
+            <a:r>
+              <a:rPr lang="en-US" altLang="zh-CN" sz="1800" dirty="0" smtClean="0"/>
+              <a:t>2.</a:t>
+            </a:r>
+            <a:r>
+              <a:rPr lang="zh-CN" altLang="en-US" sz="1800" dirty="0" smtClean="0"/>
+              <a:t>创建代理对象</a:t>
+            </a:r>
+            <a:endParaRPr lang="en-US" altLang="zh-CN" sz="1800" dirty="0"/>
+          </a:p>
+          <a:p>
+            <a:pPr marL="457200" lvl="0" indent="-457200" defTabSz="914400">
+              <a:spcBef>
+                <a:spcPts val="0"/>
+              </a:spcBef>
+              <a:buClrTx/>
+              <a:buSzTx/>
+              <a:buNone/>
+            </a:pPr>
+            <a:r>
+              <a:rPr lang="en-US" altLang="zh-CN" sz="1800" dirty="0" smtClean="0"/>
+              <a:t>	</a:t>
+            </a:r>
+          </a:p>
+          <a:p>
+            <a:pPr marL="457200" lvl="0" indent="-457200" defTabSz="914400">
+              <a:spcBef>
+                <a:spcPts val="0"/>
+              </a:spcBef>
+              <a:buClrTx/>
+              <a:buSzTx/>
+              <a:buNone/>
+            </a:pPr>
+            <a:endParaRPr lang="en-US" altLang="zh-CN" sz="1800" dirty="0" smtClean="0"/>
+          </a:p>
+          <a:p>
+            <a:pPr marL="457200" lvl="0" indent="-457200" defTabSz="914400">
+              <a:spcBef>
+                <a:spcPts val="0"/>
+              </a:spcBef>
+              <a:buClrTx/>
+              <a:buSzTx/>
+              <a:buNone/>
+            </a:pPr>
+            <a:r>
+              <a:rPr lang="en-US" altLang="zh-CN" sz="1800" dirty="0" smtClean="0"/>
+              <a:t>3.</a:t>
+            </a:r>
+            <a:r>
+              <a:rPr lang="zh-CN" altLang="en-US" sz="1800" dirty="0" smtClean="0"/>
+              <a:t>方法调用</a:t>
+            </a:r>
+            <a:endParaRPr lang="en-US" altLang="zh-CN" sz="1800" dirty="0" smtClean="0"/>
+          </a:p>
+        </p:txBody>
+      </p:sp>
+    </p:spTree>
+    <p:extLst>
+      <p:ext uri="{BB962C8B-B14F-4D97-AF65-F5344CB8AC3E}">
+        <p14:creationId xmlns:p14="http://schemas.microsoft.com/office/powerpoint/2010/main" val="859366696"/>
+      </p:ext>
+    </p:extLst>
+  </p:cSld>
+  <p:clrMapOvr>
+    <a:masterClrMapping/>
+  </p:clrMapOvr>
+  <p:timing>
+    <p:tnLst>
+      <p:par>
+        <p:cTn id="1" dur="indefinite" restart="never" nodeType="tmRoot"/>
+      </p:par>
+    </p:tnLst>
+  </p:timing>
+</p:sld>
+</file>
+
+<file path=ppt/slides/slide7.xml><?xml version="1.0" encoding="utf-8"?>
+<p:sld xmlns:a="http://schemas.openxmlformats.org/drawingml/2006/main" xmlns:r="http://schemas.openxmlformats.org/officeDocument/2006/relationships" xmlns:p="http://schemas.openxmlformats.org/presentationml/2006/main">
+  <p:cSld>
+    <p:spTree>
+      <p:nvGrpSpPr>
+        <p:cNvPr id="1" name=""/>
+        <p:cNvGrpSpPr/>
+        <p:nvPr/>
+      </p:nvGrpSpPr>
+      <p:grpSpPr>
+        <a:xfrm>
+          <a:off x="0" y="0"/>
+          <a:ext cx="0" cy="0"/>
+          <a:chOff x="0" y="0"/>
+          <a:chExt cx="0" cy="0"/>
+        </a:xfrm>
+      </p:grpSpPr>
+      <p:sp>
+        <p:nvSpPr>
+          <p:cNvPr id="2" name="标题 1"/>
+          <p:cNvSpPr>
+            <a:spLocks noGrp="1"/>
+          </p:cNvSpPr>
+          <p:nvPr>
+            <p:ph type="title"/>
+          </p:nvPr>
+        </p:nvSpPr>
+        <p:spPr>
+          <a:xfrm>
+            <a:off x="646111" y="452718"/>
+            <a:ext cx="9412289" cy="1083982"/>
+          </a:xfrm>
+        </p:spPr>
+        <p:txBody>
+          <a:bodyPr/>
+          <a:lstStyle/>
+          <a:p>
+            <a:pPr lvl="0"/>
+            <a:r>
+              <a:rPr kumimoji="1" lang="zh-CN" altLang="en-US" dirty="0" smtClean="0"/>
+              <a:t>拦截器初始化</a:t>
+            </a:r>
+            <a:r>
+              <a:rPr kumimoji="1" lang="en-US" altLang="zh-CN" dirty="0"/>
+              <a:t/>
+            </a:r>
+            <a:br>
+              <a:rPr kumimoji="1" lang="en-US" altLang="zh-CN" dirty="0"/>
+            </a:br>
+            <a:endParaRPr kumimoji="1" lang="zh-CN" altLang="en-US" dirty="0"/>
+          </a:p>
+        </p:txBody>
+      </p:sp>
+      <p:sp>
+        <p:nvSpPr>
+          <p:cNvPr id="3" name="内容占位符 2"/>
+          <p:cNvSpPr>
+            <a:spLocks noGrp="1"/>
+          </p:cNvSpPr>
+          <p:nvPr>
+            <p:ph idx="1"/>
+          </p:nvPr>
+        </p:nvSpPr>
+        <p:spPr>
+          <a:xfrm>
+            <a:off x="508000" y="1536700"/>
+            <a:ext cx="11049000" cy="4660901"/>
+          </a:xfrm>
+        </p:spPr>
+        <p:txBody>
+          <a:bodyPr/>
+          <a:lstStyle/>
+          <a:p>
+            <a:pPr marL="457200" lvl="0" indent="-457200" defTabSz="914400">
+              <a:spcBef>
+                <a:spcPts val="0"/>
+              </a:spcBef>
+              <a:buClrTx/>
+              <a:buSzTx/>
+              <a:buNone/>
+            </a:pPr>
+            <a:r>
+              <a:rPr lang="en-US" altLang="zh-CN" dirty="0" smtClean="0"/>
+              <a:t>interceptor</a:t>
+            </a:r>
+            <a:r>
+              <a:rPr lang="zh-CN" altLang="en-US" dirty="0" smtClean="0"/>
+              <a:t>有</a:t>
+            </a:r>
+            <a:r>
+              <a:rPr lang="en-US" altLang="zh-CN" dirty="0" smtClean="0"/>
+              <a:t>3</a:t>
+            </a:r>
+            <a:r>
+              <a:rPr lang="zh-CN" altLang="en-US" dirty="0" smtClean="0"/>
+              <a:t>种</a:t>
+            </a:r>
+            <a:r>
+              <a:rPr lang="en-US" altLang="zh-CN" dirty="0" smtClean="0"/>
+              <a:t>,</a:t>
+            </a:r>
+            <a:r>
+              <a:rPr lang="zh-CN" altLang="en-US" dirty="0" smtClean="0"/>
+              <a:t>需要进行统一转换</a:t>
+            </a:r>
+            <a:endParaRPr lang="en-US" altLang="zh-CN" dirty="0" smtClean="0"/>
+          </a:p>
+          <a:p>
+            <a:pPr marL="457200" lvl="0" indent="-457200" defTabSz="914400">
+              <a:spcBef>
+                <a:spcPts val="0"/>
+              </a:spcBef>
+              <a:buClrTx/>
+              <a:buSzTx/>
+              <a:buNone/>
+            </a:pPr>
+            <a:r>
+              <a:rPr lang="en-US" altLang="zh-CN" dirty="0" smtClean="0"/>
+              <a:t>1.Advisor</a:t>
+            </a:r>
+            <a:endParaRPr lang="en-US" altLang="zh-CN" dirty="0"/>
+          </a:p>
+          <a:p>
+            <a:pPr marL="457200" lvl="0" indent="-457200" defTabSz="914400">
+              <a:spcBef>
+                <a:spcPts val="0"/>
+              </a:spcBef>
+              <a:buClrTx/>
+              <a:buSzTx/>
+              <a:buNone/>
+            </a:pPr>
+            <a:r>
+              <a:rPr lang="en-US" altLang="zh-CN" dirty="0" smtClean="0"/>
+              <a:t>	</a:t>
+            </a:r>
+            <a:r>
+              <a:rPr lang="zh-CN" altLang="en-US" dirty="0" smtClean="0"/>
+              <a:t> 不需要转换</a:t>
+            </a:r>
+            <a:endParaRPr lang="en-US" altLang="zh-CN" dirty="0" smtClean="0"/>
+          </a:p>
+          <a:p>
+            <a:pPr marL="457200" indent="-457200" defTabSz="914400">
+              <a:spcBef>
+                <a:spcPts val="0"/>
+              </a:spcBef>
+              <a:buClrTx/>
+              <a:buSzTx/>
+              <a:buNone/>
+            </a:pPr>
+            <a:endParaRPr lang="en-US" altLang="zh-CN" dirty="0" smtClean="0"/>
+          </a:p>
+          <a:p>
+            <a:pPr marL="457200" indent="-457200" defTabSz="914400">
+              <a:spcBef>
+                <a:spcPts val="0"/>
+              </a:spcBef>
+              <a:buClrTx/>
+              <a:buSzTx/>
+              <a:buNone/>
+            </a:pPr>
+            <a:r>
+              <a:rPr lang="en-US" altLang="zh-CN" dirty="0" smtClean="0"/>
+              <a:t>2.MethodInterceptor:</a:t>
+            </a:r>
+          </a:p>
+          <a:p>
+            <a:pPr marL="457200" indent="-457200" defTabSz="914400">
+              <a:spcBef>
+                <a:spcPts val="0"/>
+              </a:spcBef>
+              <a:buClrTx/>
+              <a:buSzTx/>
+              <a:buNone/>
+            </a:pPr>
+            <a:r>
+              <a:rPr lang="en-US" altLang="zh-CN" dirty="0"/>
+              <a:t>	</a:t>
+            </a:r>
+            <a:r>
+              <a:rPr lang="zh-CN" altLang="en-US" dirty="0" smtClean="0"/>
+              <a:t>封装</a:t>
+            </a:r>
+            <a:r>
+              <a:rPr lang="zh-CN" altLang="en-US" dirty="0"/>
+              <a:t>成</a:t>
+            </a:r>
+            <a:r>
+              <a:rPr lang="en-US" altLang="zh-CN" dirty="0" err="1" smtClean="0"/>
+              <a:t>DefaultPointcutAdvisor</a:t>
+            </a:r>
+            <a:endParaRPr lang="en-US" altLang="zh-CN" dirty="0" smtClean="0"/>
+          </a:p>
+          <a:p>
+            <a:pPr marL="457200" indent="-457200" defTabSz="914400">
+              <a:spcBef>
+                <a:spcPts val="0"/>
+              </a:spcBef>
+              <a:buClrTx/>
+              <a:buSzTx/>
+              <a:buNone/>
+            </a:pPr>
+            <a:endParaRPr lang="en-US" altLang="zh-CN" dirty="0"/>
+          </a:p>
+          <a:p>
+            <a:pPr marL="457200" indent="-457200" defTabSz="914400">
+              <a:spcBef>
+                <a:spcPts val="0"/>
+              </a:spcBef>
+              <a:buClrTx/>
+              <a:buSzTx/>
+              <a:buNone/>
+            </a:pPr>
+            <a:r>
+              <a:rPr lang="en-US" altLang="zh-CN" dirty="0" smtClean="0"/>
+              <a:t>3.Advice</a:t>
+            </a:r>
+            <a:r>
+              <a:rPr lang="zh-CN" altLang="en-US" dirty="0" smtClean="0"/>
+              <a:t> </a:t>
+            </a:r>
+            <a:r>
+              <a:rPr lang="en-US" altLang="zh-CN" dirty="0" smtClean="0"/>
+              <a:t>:</a:t>
+            </a:r>
+            <a:r>
+              <a:rPr lang="zh-CN" altLang="en-US" dirty="0" smtClean="0"/>
+              <a:t> </a:t>
+            </a:r>
+            <a:endParaRPr lang="en-US" altLang="zh-CN" dirty="0" smtClean="0"/>
+          </a:p>
+          <a:p>
+            <a:pPr marL="457200" indent="-457200" defTabSz="914400">
+              <a:spcBef>
+                <a:spcPts val="0"/>
+              </a:spcBef>
+              <a:buClrTx/>
+              <a:buSzTx/>
+              <a:buNone/>
+            </a:pPr>
+            <a:r>
+              <a:rPr lang="en-US" altLang="zh-CN" dirty="0"/>
+              <a:t>	</a:t>
+            </a:r>
+            <a:r>
+              <a:rPr lang="zh-CN" altLang="en-US" dirty="0" smtClean="0"/>
+              <a:t>通过适配器</a:t>
+            </a:r>
+            <a:r>
+              <a:rPr lang="en-US" altLang="zh-CN" dirty="0" smtClean="0"/>
+              <a:t>:</a:t>
+            </a:r>
+            <a:r>
+              <a:rPr lang="en-US" altLang="zh-CN" dirty="0" err="1" smtClean="0"/>
+              <a:t>MethodBeforeAdviceAdapter</a:t>
+            </a:r>
+            <a:r>
+              <a:rPr lang="zh-CN" altLang="en-US" dirty="0" smtClean="0"/>
+              <a:t>，</a:t>
+            </a:r>
+            <a:r>
+              <a:rPr lang="en-US" altLang="zh-CN" dirty="0" err="1" smtClean="0"/>
+              <a:t>AfterReturningAdviceAdapter</a:t>
+            </a:r>
+            <a:r>
+              <a:rPr lang="zh-CN" altLang="en-US" dirty="0" smtClean="0"/>
+              <a:t>，</a:t>
+            </a:r>
+            <a:r>
+              <a:rPr lang="en-US" altLang="zh-CN" dirty="0" err="1" smtClean="0"/>
+              <a:t>ThrowsAdviceAdapter</a:t>
+            </a:r>
+            <a:r>
+              <a:rPr lang="en-US" altLang="zh-CN" dirty="0" smtClean="0"/>
+              <a:t>.</a:t>
+            </a:r>
+            <a:r>
+              <a:rPr lang="zh-CN" altLang="en-US" dirty="0" smtClean="0"/>
+              <a:t>通过适配的，</a:t>
+            </a:r>
+            <a:r>
+              <a:rPr lang="zh-CN" altLang="en-US" dirty="0"/>
+              <a:t>封装成</a:t>
+            </a:r>
+            <a:r>
+              <a:rPr lang="en-US" altLang="zh-CN" dirty="0" err="1"/>
+              <a:t>DefaultPointcutAdvisor</a:t>
+            </a:r>
+            <a:r>
+              <a:rPr lang="zh-CN" altLang="en-US" dirty="0"/>
+              <a:t>。</a:t>
+            </a:r>
+            <a:endParaRPr lang="en-US" altLang="zh-CN" dirty="0"/>
+          </a:p>
+          <a:p>
+            <a:pPr marL="457200" indent="-457200" defTabSz="914400">
+              <a:spcBef>
+                <a:spcPts val="0"/>
+              </a:spcBef>
+              <a:buClrTx/>
+              <a:buSzTx/>
+              <a:buNone/>
+            </a:pPr>
+            <a:endParaRPr lang="en-US" altLang="zh-CN" dirty="0"/>
+          </a:p>
+        </p:txBody>
+      </p:sp>
+    </p:spTree>
+    <p:extLst>
+      <p:ext uri="{BB962C8B-B14F-4D97-AF65-F5344CB8AC3E}">
+        <p14:creationId xmlns:p14="http://schemas.microsoft.com/office/powerpoint/2010/main" val="1777162939"/>
+      </p:ext>
+    </p:extLst>
+  </p:cSld>
+  <p:clrMapOvr>
+    <a:masterClrMapping/>
+  </p:clrMapOvr>
+  <p:timing>
+    <p:tnLst>
+      <p:par>
+        <p:cTn id="1" dur="indefinite" restart="never" nodeType="tmRoot"/>
+      </p:par>
+    </p:tnLst>
+  </p:timing>
+</p:sld>
+</file>
+
+<file path=ppt/slides/slide8.xml><?xml version="1.0" encoding="utf-8"?>
+<p:sld xmlns:a="http://schemas.openxmlformats.org/drawingml/2006/main" xmlns:r="http://schemas.openxmlformats.org/officeDocument/2006/relationships" xmlns:p="http://schemas.openxmlformats.org/presentationml/2006/main">
+  <p:cSld>
+    <p:spTree>
+      <p:nvGrpSpPr>
+        <p:cNvPr id="1" name=""/>
+        <p:cNvGrpSpPr/>
+        <p:nvPr/>
+      </p:nvGrpSpPr>
+      <p:grpSpPr>
+        <a:xfrm>
+          <a:off x="0" y="0"/>
+          <a:ext cx="0" cy="0"/>
+          <a:chOff x="0" y="0"/>
+          <a:chExt cx="0" cy="0"/>
+        </a:xfrm>
+      </p:grpSpPr>
+      <p:sp>
+        <p:nvSpPr>
+          <p:cNvPr id="2" name="标题 1"/>
+          <p:cNvSpPr>
+            <a:spLocks noGrp="1"/>
+          </p:cNvSpPr>
+          <p:nvPr>
+            <p:ph type="title"/>
+          </p:nvPr>
+        </p:nvSpPr>
+        <p:spPr>
+          <a:xfrm>
+            <a:off x="646111" y="452718"/>
+            <a:ext cx="9412289" cy="1083982"/>
+          </a:xfrm>
+        </p:spPr>
+        <p:txBody>
+          <a:bodyPr/>
+          <a:lstStyle/>
+          <a:p>
+            <a:pPr lvl="0"/>
+            <a:r>
+              <a:rPr kumimoji="1" lang="zh-CN" altLang="en-US" dirty="0" smtClean="0"/>
+              <a:t>创建代理对象</a:t>
+            </a:r>
+            <a:r>
+              <a:rPr kumimoji="1" lang="en-US" altLang="zh-CN" dirty="0"/>
+              <a:t/>
+            </a:r>
+            <a:br>
+              <a:rPr kumimoji="1" lang="en-US" altLang="zh-CN" dirty="0"/>
+            </a:br>
+            <a:endParaRPr kumimoji="1" lang="zh-CN" altLang="en-US" dirty="0"/>
+          </a:p>
+        </p:txBody>
+      </p:sp>
+      <p:sp>
+        <p:nvSpPr>
+          <p:cNvPr id="3" name="内容占位符 2"/>
+          <p:cNvSpPr>
+            <a:spLocks noGrp="1"/>
+          </p:cNvSpPr>
+          <p:nvPr>
+            <p:ph idx="1"/>
+          </p:nvPr>
+        </p:nvSpPr>
+        <p:spPr>
+          <a:xfrm>
+            <a:off x="508000" y="1536700"/>
+            <a:ext cx="11049000" cy="4660901"/>
+          </a:xfrm>
+        </p:spPr>
+        <p:txBody>
+          <a:bodyPr/>
+          <a:lstStyle/>
+          <a:p>
+            <a:pPr marL="457200" lvl="0" indent="-457200" defTabSz="914400">
+              <a:spcBef>
+                <a:spcPts val="0"/>
+              </a:spcBef>
+              <a:buClrTx/>
+              <a:buSzTx/>
+              <a:buNone/>
+            </a:pPr>
+            <a:r>
+              <a:rPr lang="en-US" altLang="zh-CN" dirty="0" smtClean="0"/>
+              <a:t>1.</a:t>
+            </a:r>
+            <a:r>
+              <a:rPr lang="zh-CN" altLang="en-US" dirty="0" smtClean="0"/>
+              <a:t>创建</a:t>
+            </a:r>
+            <a:r>
+              <a:rPr lang="en-US" altLang="zh-CN" dirty="0" err="1" smtClean="0"/>
+              <a:t>AopProxy</a:t>
+            </a:r>
+            <a:r>
+              <a:rPr lang="zh-CN" altLang="en-US" dirty="0" smtClean="0"/>
+              <a:t> </a:t>
+            </a:r>
+            <a:endParaRPr lang="en-US" altLang="zh-CN" dirty="0"/>
+          </a:p>
+          <a:p>
+            <a:pPr marL="457200" lvl="0" indent="-457200" defTabSz="914400">
+              <a:spcBef>
+                <a:spcPts val="0"/>
+              </a:spcBef>
+              <a:buClrTx/>
+              <a:buSzTx/>
+              <a:buNone/>
+            </a:pPr>
+            <a:r>
+              <a:rPr lang="en-US" altLang="zh-CN" dirty="0" smtClean="0"/>
+              <a:t>	</a:t>
+            </a:r>
+            <a:r>
+              <a:rPr lang="zh-CN" altLang="en-US" dirty="0" smtClean="0"/>
+              <a:t> </a:t>
+            </a:r>
+            <a:r>
+              <a:rPr lang="zh-CN" altLang="en-US" dirty="0" smtClean="0"/>
+              <a:t>如果被增强的对象实现了接口</a:t>
+            </a:r>
+            <a:r>
+              <a:rPr lang="en-US" altLang="zh-CN" dirty="0" smtClean="0"/>
+              <a:t>,</a:t>
+            </a:r>
+            <a:r>
+              <a:rPr lang="zh-CN" altLang="en-US" dirty="0" smtClean="0"/>
+              <a:t>创建</a:t>
+            </a:r>
+            <a:r>
+              <a:rPr lang="en-US" altLang="zh-CN" dirty="0" err="1" smtClean="0"/>
+              <a:t>JdkDynamicAopProxy</a:t>
+            </a:r>
+            <a:r>
+              <a:rPr lang="en-US" altLang="zh-CN" dirty="0" smtClean="0"/>
+              <a:t>,</a:t>
+            </a:r>
+            <a:r>
+              <a:rPr lang="zh-CN" altLang="en-US" dirty="0" smtClean="0"/>
+              <a:t>否则创建</a:t>
+            </a:r>
+            <a:r>
+              <a:rPr lang="en-US" altLang="zh-CN" dirty="0" err="1" smtClean="0"/>
+              <a:t>ObjenesisCglibAopProxy</a:t>
+            </a:r>
+            <a:r>
+              <a:rPr lang="en-US" altLang="zh-CN" dirty="0" smtClean="0"/>
+              <a:t>.</a:t>
+            </a:r>
+          </a:p>
+          <a:p>
+            <a:pPr marL="457200" lvl="0" indent="-457200" defTabSz="914400">
+              <a:spcBef>
+                <a:spcPts val="0"/>
+              </a:spcBef>
+              <a:buClrTx/>
+              <a:buSzTx/>
+              <a:buNone/>
+            </a:pPr>
+            <a:r>
+              <a:rPr lang="zh-CN" altLang="en-US" dirty="0"/>
+              <a:t> </a:t>
+            </a:r>
+            <a:r>
+              <a:rPr lang="zh-CN" altLang="en-US" dirty="0" smtClean="0"/>
+              <a:t>     本次主要介绍</a:t>
+            </a:r>
+            <a:r>
+              <a:rPr lang="en-US" altLang="zh-CN" dirty="0" err="1" smtClean="0"/>
+              <a:t>JdkDynamicAopProxy</a:t>
+            </a:r>
+            <a:r>
+              <a:rPr lang="zh-CN" altLang="en-US" dirty="0" smtClean="0"/>
+              <a:t>，在实例化时，会通过构造函数，将</a:t>
+            </a:r>
+            <a:r>
+              <a:rPr lang="en-US" altLang="zh-CN" dirty="0" err="1" smtClean="0"/>
+              <a:t>proxyBeanFactory</a:t>
+            </a:r>
+            <a:r>
+              <a:rPr lang="zh-CN" altLang="en-US" dirty="0" smtClean="0"/>
+              <a:t>本身注入到其中。所以</a:t>
+            </a:r>
+            <a:r>
+              <a:rPr lang="en-US" altLang="zh-CN" dirty="0" smtClean="0"/>
+              <a:t>,</a:t>
+            </a:r>
+            <a:r>
+              <a:rPr lang="zh-CN" altLang="en-US" dirty="0" smtClean="0"/>
+              <a:t>它持有</a:t>
+            </a:r>
+            <a:r>
+              <a:rPr lang="en-US" altLang="zh-CN" dirty="0" err="1" smtClean="0"/>
+              <a:t>proxyBeanFactory</a:t>
+            </a:r>
+            <a:r>
+              <a:rPr lang="zh-CN" altLang="en-US" dirty="0" smtClean="0"/>
+              <a:t>的引用。在动态代理进行回调时，可以通过这个引用访问到所有的拦截器。</a:t>
+            </a:r>
+            <a:endParaRPr lang="en-US" altLang="zh-CN" dirty="0" smtClean="0"/>
+          </a:p>
+          <a:p>
+            <a:pPr marL="457200" indent="-457200" defTabSz="914400">
+              <a:spcBef>
+                <a:spcPts val="0"/>
+              </a:spcBef>
+              <a:buClrTx/>
+              <a:buSzTx/>
+              <a:buNone/>
+            </a:pPr>
+            <a:endParaRPr lang="en-US" altLang="zh-CN" dirty="0" smtClean="0"/>
+          </a:p>
+          <a:p>
+            <a:pPr marL="457200" indent="-457200" defTabSz="914400">
+              <a:spcBef>
+                <a:spcPts val="0"/>
+              </a:spcBef>
+              <a:buClrTx/>
+              <a:buSzTx/>
+              <a:buNone/>
+            </a:pPr>
+            <a:r>
+              <a:rPr lang="en-US" altLang="zh-CN" dirty="0" smtClean="0"/>
+              <a:t>2</a:t>
+            </a:r>
+            <a:r>
+              <a:rPr lang="en-US" altLang="zh-CN" dirty="0" smtClean="0"/>
+              <a:t>.</a:t>
+            </a:r>
+            <a:r>
+              <a:rPr lang="zh-CN" altLang="en-US" dirty="0" smtClean="0"/>
+              <a:t> 创建动态代理</a:t>
+            </a:r>
+            <a:endParaRPr lang="en-US" altLang="zh-CN" dirty="0" smtClean="0"/>
+          </a:p>
+          <a:p>
+            <a:pPr marL="457200" indent="-457200" defTabSz="914400">
+              <a:spcBef>
+                <a:spcPts val="0"/>
+              </a:spcBef>
+              <a:buClrTx/>
+              <a:buSzTx/>
+              <a:buNone/>
+            </a:pPr>
+            <a:r>
+              <a:rPr lang="en-US" altLang="zh-CN" dirty="0"/>
+              <a:t>	</a:t>
+            </a:r>
+            <a:endParaRPr lang="en-US" altLang="zh-CN" dirty="0" smtClean="0"/>
+          </a:p>
+          <a:p>
+            <a:pPr marL="457200" indent="-457200" defTabSz="914400">
+              <a:spcBef>
+                <a:spcPts val="0"/>
+              </a:spcBef>
+              <a:buClrTx/>
+              <a:buSzTx/>
+              <a:buNone/>
+            </a:pPr>
+            <a:r>
+              <a:rPr lang="en-US" altLang="zh-CN" dirty="0"/>
+              <a:t>	</a:t>
+            </a:r>
+            <a:r>
+              <a:rPr lang="en-US" altLang="zh-CN" dirty="0" err="1" smtClean="0"/>
+              <a:t>JdkDynamicAopProxy</a:t>
+            </a:r>
+            <a:r>
+              <a:rPr lang="zh-CN" altLang="en-US" dirty="0" smtClean="0"/>
+              <a:t>的</a:t>
+            </a:r>
+            <a:r>
+              <a:rPr lang="en-US" altLang="zh-CN" dirty="0" err="1" smtClean="0"/>
+              <a:t>getProxy</a:t>
+            </a:r>
+            <a:r>
+              <a:rPr lang="zh-CN" altLang="en-US" dirty="0" smtClean="0"/>
+              <a:t>创建，并将本身作为回调。</a:t>
+            </a:r>
+            <a:endParaRPr lang="en-US" altLang="zh-CN" dirty="0" smtClean="0"/>
+          </a:p>
+          <a:p>
+            <a:pPr marL="457200" indent="-457200" defTabSz="914400">
+              <a:spcBef>
+                <a:spcPts val="0"/>
+              </a:spcBef>
+              <a:buClrTx/>
+              <a:buSzTx/>
+              <a:buNone/>
+            </a:pPr>
+            <a:r>
+              <a:rPr lang="en-US" altLang="zh-CN" dirty="0" smtClean="0"/>
+              <a:t>	</a:t>
+            </a:r>
+            <a:r>
+              <a:rPr lang="en-US" altLang="zh-CN" dirty="0" err="1" smtClean="0"/>
+              <a:t>Proxy.</a:t>
+            </a:r>
+            <a:r>
+              <a:rPr lang="en-US" altLang="zh-CN" i="1" dirty="0" err="1" smtClean="0"/>
+              <a:t>newProxyInstance</a:t>
+            </a:r>
+            <a:r>
+              <a:rPr lang="en-US" altLang="zh-CN" dirty="0" smtClean="0"/>
+              <a:t>(</a:t>
+            </a:r>
+            <a:r>
+              <a:rPr lang="en-US" altLang="zh-CN" dirty="0" err="1" smtClean="0"/>
+              <a:t>classLoader</a:t>
+            </a:r>
+            <a:r>
+              <a:rPr lang="en-US" altLang="zh-CN" dirty="0"/>
+              <a:t>, </a:t>
+            </a:r>
+            <a:r>
+              <a:rPr lang="en-US" altLang="zh-CN" dirty="0" err="1"/>
+              <a:t>proxiedInterfaces</a:t>
+            </a:r>
+            <a:r>
+              <a:rPr lang="en-US" altLang="zh-CN" dirty="0"/>
+              <a:t>, </a:t>
+            </a:r>
+            <a:r>
+              <a:rPr lang="en-US" altLang="zh-CN" dirty="0" smtClean="0"/>
+              <a:t>this);</a:t>
+            </a:r>
+            <a:endParaRPr lang="en-US" altLang="zh-CN" dirty="0"/>
+          </a:p>
+          <a:p>
+            <a:pPr marL="457200" indent="-457200" defTabSz="914400">
+              <a:spcBef>
+                <a:spcPts val="0"/>
+              </a:spcBef>
+              <a:buClrTx/>
+              <a:buSzTx/>
+              <a:buNone/>
+            </a:pPr>
+            <a:endParaRPr lang="en-US" altLang="zh-CN" dirty="0" smtClean="0"/>
+          </a:p>
+          <a:p>
+            <a:pPr marL="457200" indent="-457200" defTabSz="914400">
+              <a:spcBef>
+                <a:spcPts val="0"/>
+              </a:spcBef>
+              <a:buClrTx/>
+              <a:buSzTx/>
+              <a:buNone/>
+            </a:pPr>
+            <a:endParaRPr lang="en-US" altLang="zh-CN" dirty="0" smtClean="0"/>
+          </a:p>
+          <a:p>
+            <a:pPr marL="457200" indent="-457200" defTabSz="914400">
+              <a:spcBef>
+                <a:spcPts val="0"/>
+              </a:spcBef>
+              <a:buClrTx/>
+              <a:buSzTx/>
+              <a:buNone/>
+            </a:pPr>
+            <a:endParaRPr lang="en-US" altLang="zh-CN" dirty="0"/>
+          </a:p>
+        </p:txBody>
+      </p:sp>
+    </p:spTree>
+    <p:extLst>
+      <p:ext uri="{BB962C8B-B14F-4D97-AF65-F5344CB8AC3E}">
+        <p14:creationId xmlns:p14="http://schemas.microsoft.com/office/powerpoint/2010/main" val="1315075668"/>
+      </p:ext>
+    </p:extLst>
+  </p:cSld>
+  <p:clrMapOvr>
+    <a:masterClrMapping/>
+  </p:clrMapOvr>
+  <p:timing>
+    <p:tnLst>
+      <p:par>
+        <p:cTn id="1" dur="indefinite" restart="never" nodeType="tmRoot"/>
+      </p:par>
+    </p:tnLst>
+  </p:timing>
+</p:sld>
+</file>
+
+<file path=ppt/slides/slide9.xml><?xml version="1.0" encoding="utf-8"?>
+<p:sld xmlns:a="http://schemas.openxmlformats.org/drawingml/2006/main" xmlns:r="http://schemas.openxmlformats.org/officeDocument/2006/relationships" xmlns:p="http://schemas.openxmlformats.org/presentationml/2006/main">
+  <p:cSld>
+    <p:spTree>
+      <p:nvGrpSpPr>
+        <p:cNvPr id="1" name=""/>
+        <p:cNvGrpSpPr/>
+        <p:nvPr/>
+      </p:nvGrpSpPr>
+      <p:grpSpPr>
+        <a:xfrm>
+          <a:off x="0" y="0"/>
+          <a:ext cx="0" cy="0"/>
+          <a:chOff x="0" y="0"/>
+          <a:chExt cx="0" cy="0"/>
+        </a:xfrm>
+      </p:grpSpPr>
+      <p:sp>
+        <p:nvSpPr>
+          <p:cNvPr id="2" name="标题 1"/>
+          <p:cNvSpPr>
+            <a:spLocks noGrp="1"/>
+          </p:cNvSpPr>
+          <p:nvPr>
+            <p:ph type="title"/>
+          </p:nvPr>
+        </p:nvSpPr>
+        <p:spPr>
+          <a:xfrm>
+            <a:off x="646111" y="452718"/>
+            <a:ext cx="9412289" cy="1083982"/>
+          </a:xfrm>
+        </p:spPr>
+        <p:txBody>
+          <a:bodyPr/>
+          <a:lstStyle/>
+          <a:p>
+            <a:pPr lvl="0"/>
+            <a:r>
+              <a:rPr kumimoji="1" lang="zh-CN" altLang="en-US" dirty="0" smtClean="0"/>
+              <a:t>代理对象调用</a:t>
+            </a:r>
+            <a:r>
+              <a:rPr kumimoji="1" lang="en-US" altLang="zh-CN" dirty="0"/>
+              <a:t/>
+            </a:r>
+            <a:br>
+              <a:rPr kumimoji="1" lang="en-US" altLang="zh-CN" dirty="0"/>
+            </a:br>
+            <a:endParaRPr kumimoji="1" lang="zh-CN" altLang="en-US" dirty="0"/>
+          </a:p>
+        </p:txBody>
+      </p:sp>
+      <p:sp>
+        <p:nvSpPr>
+          <p:cNvPr id="3" name="内容占位符 2"/>
+          <p:cNvSpPr>
+            <a:spLocks noGrp="1"/>
+          </p:cNvSpPr>
+          <p:nvPr>
+            <p:ph idx="1"/>
+          </p:nvPr>
+        </p:nvSpPr>
+        <p:spPr>
+          <a:xfrm>
+            <a:off x="508000" y="1536700"/>
+            <a:ext cx="11049000" cy="4660901"/>
+          </a:xfrm>
+        </p:spPr>
+        <p:txBody>
+          <a:bodyPr/>
+          <a:lstStyle/>
+          <a:p>
+            <a:pPr marL="457200" lvl="0" indent="-457200" defTabSz="914400">
+              <a:spcBef>
+                <a:spcPts val="0"/>
+              </a:spcBef>
+              <a:buClrTx/>
+              <a:buSzTx/>
+              <a:buNone/>
+            </a:pPr>
+            <a:r>
+              <a:rPr lang="zh-CN" altLang="en-US" dirty="0" smtClean="0"/>
+              <a:t>回调</a:t>
+            </a:r>
+            <a:r>
+              <a:rPr lang="en-US" altLang="zh-CN" dirty="0" err="1" smtClean="0"/>
+              <a:t>JdkDynamicAopProxy</a:t>
+            </a:r>
+            <a:r>
+              <a:rPr lang="zh-CN" altLang="en-US" dirty="0" smtClean="0"/>
+              <a:t>的</a:t>
+            </a:r>
+            <a:r>
+              <a:rPr lang="en-US" altLang="zh-CN" dirty="0" smtClean="0"/>
+              <a:t>invoke</a:t>
+            </a:r>
+          </a:p>
+          <a:p>
+            <a:pPr marL="457200" lvl="0" indent="-457200" defTabSz="914400">
+              <a:spcBef>
+                <a:spcPts val="0"/>
+              </a:spcBef>
+              <a:buClrTx/>
+              <a:buSzTx/>
+              <a:buNone/>
+            </a:pPr>
+            <a:r>
+              <a:rPr lang="en-US" altLang="zh-CN" dirty="0" smtClean="0"/>
+              <a:t>1.</a:t>
+            </a:r>
+            <a:r>
+              <a:rPr lang="zh-CN" altLang="en-US" dirty="0" smtClean="0"/>
+              <a:t>基层方法直接调用</a:t>
+            </a:r>
+            <a:endParaRPr lang="en-US" altLang="zh-CN" dirty="0" smtClean="0"/>
+          </a:p>
+          <a:p>
+            <a:pPr marL="457200" lvl="0" indent="-457200" defTabSz="914400">
+              <a:spcBef>
+                <a:spcPts val="0"/>
+              </a:spcBef>
+              <a:buClrTx/>
+              <a:buSzTx/>
+              <a:buNone/>
+            </a:pPr>
+            <a:r>
+              <a:rPr lang="en-US" altLang="zh-CN" dirty="0"/>
+              <a:t>	</a:t>
+            </a:r>
+            <a:r>
+              <a:rPr lang="en-US" altLang="zh-CN" dirty="0" err="1" smtClean="0"/>
+              <a:t>equal,hashCode</a:t>
+            </a:r>
+            <a:r>
+              <a:rPr lang="en-US" altLang="zh-CN" dirty="0" smtClean="0"/>
+              <a:t>,</a:t>
+            </a:r>
+          </a:p>
+          <a:p>
+            <a:pPr marL="457200" lvl="0" indent="-457200" defTabSz="914400">
+              <a:spcBef>
+                <a:spcPts val="0"/>
+              </a:spcBef>
+              <a:buClrTx/>
+              <a:buSzTx/>
+              <a:buNone/>
+            </a:pPr>
+            <a:endParaRPr lang="en-US" altLang="zh-CN" dirty="0"/>
+          </a:p>
+          <a:p>
+            <a:pPr marL="457200" lvl="0" indent="-457200" defTabSz="914400">
+              <a:spcBef>
+                <a:spcPts val="0"/>
+              </a:spcBef>
+              <a:buClrTx/>
+              <a:buSzTx/>
+              <a:buNone/>
+            </a:pPr>
+            <a:r>
+              <a:rPr lang="en-US" altLang="zh-CN" dirty="0" smtClean="0"/>
+              <a:t>2.</a:t>
+            </a:r>
+            <a:r>
+              <a:rPr lang="zh-CN" altLang="en-US" dirty="0" smtClean="0"/>
+              <a:t>通过 </a:t>
+            </a:r>
+            <a:r>
+              <a:rPr lang="en-US" altLang="zh-CN" dirty="0" smtClean="0"/>
+              <a:t>class</a:t>
+            </a:r>
+            <a:r>
+              <a:rPr lang="zh-CN" altLang="en-US" dirty="0" smtClean="0"/>
+              <a:t> 和</a:t>
+            </a:r>
+            <a:r>
+              <a:rPr lang="en-US" altLang="zh-CN" dirty="0" smtClean="0"/>
+              <a:t>method</a:t>
+            </a:r>
+            <a:r>
+              <a:rPr lang="zh-CN" altLang="en-US" dirty="0" smtClean="0"/>
+              <a:t>获取匹配的拦截器数组</a:t>
+            </a:r>
+            <a:endParaRPr lang="en-US" altLang="zh-CN" dirty="0" smtClean="0"/>
+          </a:p>
+          <a:p>
+            <a:pPr marL="457200" lvl="0" indent="-457200" defTabSz="914400">
+              <a:spcBef>
+                <a:spcPts val="0"/>
+              </a:spcBef>
+              <a:buClrTx/>
+              <a:buSzTx/>
+              <a:buNone/>
+            </a:pPr>
+            <a:endParaRPr lang="en-US" altLang="zh-CN" dirty="0"/>
+          </a:p>
+          <a:p>
+            <a:pPr marL="457200" lvl="0" indent="-457200" defTabSz="914400">
+              <a:spcBef>
+                <a:spcPts val="0"/>
+              </a:spcBef>
+              <a:buClrTx/>
+              <a:buSzTx/>
+              <a:buNone/>
+            </a:pPr>
+            <a:r>
+              <a:rPr lang="en-US" altLang="zh-CN" dirty="0" smtClean="0"/>
+              <a:t>3.</a:t>
+            </a:r>
+            <a:r>
+              <a:rPr lang="zh-CN" altLang="en-US" dirty="0" smtClean="0"/>
+              <a:t>创建调用器</a:t>
+            </a:r>
+            <a:r>
+              <a:rPr lang="en-US" altLang="zh-CN" dirty="0"/>
+              <a:t>-</a:t>
+            </a:r>
+            <a:r>
+              <a:rPr lang="en-US" altLang="zh-CN" dirty="0" smtClean="0"/>
+              <a:t> </a:t>
+            </a:r>
+            <a:r>
+              <a:rPr lang="en-US" altLang="zh-CN" dirty="0" err="1" smtClean="0"/>
+              <a:t>ReflectiveMethodInvocation</a:t>
+            </a:r>
+            <a:endParaRPr lang="en-US" altLang="zh-CN" dirty="0" smtClean="0"/>
+          </a:p>
+          <a:p>
+            <a:pPr marL="457200" lvl="0" indent="-457200" defTabSz="914400">
+              <a:spcBef>
+                <a:spcPts val="0"/>
+              </a:spcBef>
+              <a:buClrTx/>
+              <a:buSzTx/>
+              <a:buNone/>
+            </a:pPr>
+            <a:r>
+              <a:rPr lang="en-US" altLang="zh-CN" dirty="0"/>
+              <a:t>	</a:t>
+            </a:r>
+            <a:endParaRPr lang="en-US" altLang="zh-CN" dirty="0" smtClean="0"/>
+          </a:p>
+          <a:p>
+            <a:pPr marL="457200" lvl="0" indent="-457200" defTabSz="914400">
+              <a:spcBef>
+                <a:spcPts val="0"/>
+              </a:spcBef>
+              <a:buClrTx/>
+              <a:buSzTx/>
+              <a:buNone/>
+            </a:pPr>
+            <a:r>
+              <a:rPr lang="en-US" altLang="zh-CN" dirty="0" smtClean="0"/>
+              <a:t>4.</a:t>
+            </a:r>
+            <a:r>
+              <a:rPr lang="zh-CN" altLang="en-US" dirty="0" smtClean="0"/>
+              <a:t>触发调用器</a:t>
+            </a:r>
+            <a:endParaRPr lang="en-US" altLang="zh-CN" dirty="0" smtClean="0"/>
+          </a:p>
+          <a:p>
+            <a:pPr marL="457200" lvl="0" indent="-457200" defTabSz="914400">
+              <a:spcBef>
+                <a:spcPts val="0"/>
+              </a:spcBef>
+              <a:buClrTx/>
+              <a:buSzTx/>
+              <a:buNone/>
+            </a:pPr>
+            <a:endParaRPr lang="en-US" altLang="zh-CN" dirty="0" smtClean="0"/>
+          </a:p>
+          <a:p>
+            <a:pPr marL="457200" indent="-457200" defTabSz="914400">
+              <a:spcBef>
+                <a:spcPts val="0"/>
+              </a:spcBef>
+              <a:buClrTx/>
+              <a:buSzTx/>
+              <a:buNone/>
+            </a:pPr>
+            <a:endParaRPr lang="en-US" altLang="zh-CN" dirty="0" smtClean="0"/>
+          </a:p>
+          <a:p>
+            <a:pPr marL="457200" indent="-457200" defTabSz="914400">
+              <a:spcBef>
+                <a:spcPts val="0"/>
+              </a:spcBef>
+              <a:buClrTx/>
+              <a:buSzTx/>
+              <a:buNone/>
+            </a:pPr>
+            <a:endParaRPr lang="en-US" altLang="zh-CN" dirty="0"/>
+          </a:p>
+        </p:txBody>
+      </p:sp>
+    </p:spTree>
+    <p:extLst>
+      <p:ext uri="{BB962C8B-B14F-4D97-AF65-F5344CB8AC3E}">
+        <p14:creationId xmlns:p14="http://schemas.microsoft.com/office/powerpoint/2010/main" val="1844619909"/>
+      </p:ext>
+    </p:extLst>
+  </p:cSld>
+  <p:clrMapOvr>
+    <a:masterClrMapping/>
+  </p:clrMapOvr>
+  <p:timing>
+    <p:tnLst>
+      <p:par>
+        <p:cTn id="1" dur="indefinite" restart="never" nodeType="tmRoot"/>
+      </p:par>
+    </p:tnLst>
+  </p:timing>
 </p:sld>
 </file>
 
@@ -6683,4 +10903,265 @@
     </a:ext>
   </a:extLst>
 </a:theme>
+</file>
+
+<file path=ppt/theme/theme2.xml><?xml version="1.0" encoding="utf-8"?>
+<a:theme xmlns:a="http://schemas.openxmlformats.org/drawingml/2006/main" name="Office 主题">
+  <a:themeElements>
+    <a:clrScheme name="Office">
+      <a:dk1>
+        <a:sysClr val="windowText" lastClr="000000"/>
+      </a:dk1>
+      <a:lt1>
+        <a:sysClr val="window" lastClr="FFFFFF"/>
+      </a:lt1>
+      <a:dk2>
+        <a:srgbClr val="44546A"/>
+      </a:dk2>
+      <a:lt2>
+        <a:srgbClr val="E7E6E6"/>
+      </a:lt2>
+      <a:accent1>
+        <a:srgbClr val="4472C4"/>
+      </a:accent1>
+      <a:accent2>
+        <a:srgbClr val="ED7D31"/>
+      </a:accent2>
+      <a:accent3>
+        <a:srgbClr val="A5A5A5"/>
+      </a:accent3>
+      <a:accent4>
+        <a:srgbClr val="FFC000"/>
+      </a:accent4>
+      <a:accent5>
+        <a:srgbClr val="5B9BD5"/>
+      </a:accent5>
+      <a:accent6>
+        <a:srgbClr val="70AD47"/>
+      </a:accent6>
+      <a:hlink>
+        <a:srgbClr val="0563C1"/>
+      </a:hlink>
+      <a:folHlink>
+        <a:srgbClr val="954F72"/>
+      </a:folHlink>
+    </a:clrScheme>
+    <a:fontScheme name="Office">
+      <a:majorFont>
+        <a:latin typeface="DengXian Light" panose="020F0302020204030204"/>
+        <a:ea typeface=""/>
+        <a:cs typeface=""/>
+        <a:font script="Jpan" typeface="Yu Gothic Light"/>
+        <a:font script="Hang" typeface="맑은 고딕"/>
+        <a:font script="Hans" typeface="DengXian Light"/>
+        <a:font script="Hant" typeface="新細明體"/>
+        <a:font script="Arab" typeface="Times New Roman"/>
+        <a:font script="Hebr" typeface="Times New Roman"/>
+        <a:font script="Thai" typeface="Angsana New"/>
+        <a:font script="Ethi" typeface="Nyala"/>
+        <a:font script="Beng" typeface="Vrinda"/>
+        <a:font script="Gujr" typeface="Shruti"/>
+        <a:font script="Khmr" typeface="MoolBoran"/>
+        <a:font script="Knda" typeface="Tunga"/>
+        <a:font script="Guru" typeface="Raavi"/>
+        <a:font script="Cans" typeface="Euphemia"/>
+        <a:font script="Cher" typeface="Plantagenet Cherokee"/>
+        <a:font script="Yiii" typeface="Microsoft Yi Baiti"/>
+        <a:font script="Tibt" typeface="Microsoft Himalaya"/>
+        <a:font script="Thaa" typeface="MV Boli"/>
+        <a:font script="Deva" typeface="Mangal"/>
+        <a:font script="Telu" typeface="Gautami"/>
+        <a:font script="Taml" typeface="Latha"/>
+        <a:font script="Syrc" typeface="Estrangelo Edessa"/>
+        <a:font script="Orya" typeface="Kalinga"/>
+        <a:font script="Mlym" typeface="Kartika"/>
+        <a:font script="Laoo" typeface="DokChampa"/>
+        <a:font script="Sinh" typeface="Iskoola Pota"/>
+        <a:font script="Mong" typeface="Mongolian Baiti"/>
+        <a:font script="Viet" typeface="Times New Roman"/>
+        <a:font script="Uigh" typeface="Microsoft Uighur"/>
+        <a:font script="Geor" typeface="Sylfaen"/>
+      </a:majorFont>
+      <a:minorFont>
+        <a:latin typeface="DengXian" panose="020F0502020204030204"/>
+        <a:ea typeface=""/>
+        <a:cs typeface=""/>
+        <a:font script="Jpan" typeface="Yu Gothic"/>
+        <a:font script="Hang" typeface="맑은 고딕"/>
+        <a:font script="Hans" typeface="DengXian"/>
+        <a:font script="Hant" typeface="新細明體"/>
+        <a:font script="Arab" typeface="Arial"/>
+        <a:font script="Hebr" typeface="Arial"/>
+        <a:font script="Thai" typeface="Cordia New"/>
+        <a:font script="Ethi" typeface="Nyala"/>
+        <a:font script="Beng" typeface="Vrinda"/>
+        <a:font script="Gujr" typeface="Shruti"/>
+        <a:font script="Khmr" typeface="DaunPenh"/>
+        <a:font script="Knda" typeface="Tunga"/>
+        <a:font script="Guru" typeface="Raavi"/>
+        <a:font script="Cans" typeface="Euphemia"/>
+        <a:font script="Cher" typeface="Plantagenet Cherokee"/>
+        <a:font script="Yiii" typeface="Microsoft Yi Baiti"/>
+        <a:font script="Tibt" typeface="Microsoft Himalaya"/>
+        <a:font script="Thaa" typeface="MV Boli"/>
+        <a:font script="Deva" typeface="Mangal"/>
+        <a:font script="Telu" typeface="Gautami"/>
+        <a:font script="Taml" typeface="Latha"/>
+        <a:font script="Syrc" typeface="Estrangelo Edessa"/>
+        <a:font script="Orya" typeface="Kalinga"/>
+        <a:font script="Mlym" typeface="Kartika"/>
+        <a:font script="Laoo" typeface="DokChampa"/>
+        <a:font script="Sinh" typeface="Iskoola Pota"/>
+        <a:font script="Mong" typeface="Mongolian Baiti"/>
+        <a:font script="Viet" typeface="Arial"/>
+        <a:font script="Uigh" typeface="Microsoft Uighur"/>
+        <a:font script="Geor" typeface="Sylfaen"/>
+      </a:minorFont>
+    </a:fontScheme>
+    <a:fmtScheme name="Office">
+      <a:fillStyleLst>
+        <a:solidFill>
+          <a:schemeClr val="phClr"/>
+        </a:solidFill>
+        <a:gradFill rotWithShape="1">
+          <a:gsLst>
+            <a:gs pos="0">
+              <a:schemeClr val="phClr">
+                <a:lumMod val="110000"/>
+                <a:satMod val="105000"/>
+                <a:tint val="67000"/>
+              </a:schemeClr>
+            </a:gs>
+            <a:gs pos="50000">
+              <a:schemeClr val="phClr">
+                <a:lumMod val="105000"/>
+                <a:satMod val="103000"/>
+                <a:tint val="73000"/>
+              </a:schemeClr>
+            </a:gs>
+            <a:gs pos="100000">
+              <a:schemeClr val="phClr">
+                <a:lumMod val="105000"/>
+                <a:satMod val="109000"/>
+                <a:tint val="81000"/>
+              </a:schemeClr>
+            </a:gs>
+          </a:gsLst>
+          <a:lin ang="5400000" scaled="0"/>
+        </a:gradFill>
+        <a:gradFill rotWithShape="1">
+          <a:gsLst>
+            <a:gs pos="0">
+              <a:schemeClr val="phClr">
+                <a:satMod val="103000"/>
+                <a:lumMod val="102000"/>
+                <a:tint val="94000"/>
+              </a:schemeClr>
+            </a:gs>
+            <a:gs pos="50000">
+              <a:schemeClr val="phClr">
+                <a:satMod val="110000"/>
+                <a:lumMod val="100000"/>
+                <a:shade val="100000"/>
+              </a:schemeClr>
+            </a:gs>
+            <a:gs pos="100000">
+              <a:schemeClr val="phClr">
+                <a:lumMod val="99000"/>
+                <a:satMod val="120000"/>
+                <a:shade val="78000"/>
+              </a:schemeClr>
+            </a:gs>
+          </a:gsLst>
+          <a:lin ang="5400000" scaled="0"/>
+        </a:gradFill>
+      </a:fillStyleLst>
+      <a:lnStyleLst>
+        <a:ln w="6350" cap="flat" cmpd="sng" algn="ctr">
+          <a:solidFill>
+            <a:schemeClr val="phClr"/>
+          </a:solidFill>
+          <a:prstDash val="solid"/>
+          <a:miter lim="800000"/>
+        </a:ln>
+        <a:ln w="12700" cap="flat" cmpd="sng" algn="ctr">
+          <a:solidFill>
+            <a:schemeClr val="phClr"/>
+          </a:solidFill>
+          <a:prstDash val="solid"/>
+          <a:miter lim="800000"/>
+        </a:ln>
+        <a:ln w="19050" cap="flat" cmpd="sng" algn="ctr">
+          <a:solidFill>
+            <a:schemeClr val="phClr"/>
+          </a:solidFill>
+          <a:prstDash val="solid"/>
+          <a:miter lim="800000"/>
+        </a:ln>
+      </a:lnStyleLst>
+      <a:effectStyleLst>
+        <a:effectStyle>
+          <a:effectLst/>
+        </a:effectStyle>
+        <a:effectStyle>
+          <a:effectLst/>
+        </a:effectStyle>
+        <a:effectStyle>
+          <a:effectLst>
+            <a:outerShdw blurRad="57150" dist="19050" dir="5400000" algn="ctr" rotWithShape="0">
+              <a:srgbClr val="000000">
+                <a:alpha val="63000"/>
+              </a:srgbClr>
+            </a:outerShdw>
+          </a:effectLst>
+        </a:effectStyle>
+      </a:effectStyleLst>
+      <a:bgFillStyleLst>
+        <a:solidFill>
+          <a:schemeClr val="phClr"/>
+        </a:solidFill>
+        <a:solidFill>
+          <a:schemeClr val="phClr">
+            <a:tint val="95000"/>
+            <a:satMod val="170000"/>
+          </a:schemeClr>
+        </a:solidFill>
+        <a:gradFill rotWithShape="1">
+          <a:gsLst>
+            <a:gs pos="0">
+              <a:schemeClr val="phClr">
+                <a:tint val="93000"/>
+                <a:satMod val="150000"/>
+                <a:shade val="98000"/>
+                <a:lumMod val="102000"/>
+              </a:schemeClr>
+            </a:gs>
+            <a:gs pos="50000">
+              <a:schemeClr val="phClr">
+                <a:tint val="98000"/>
+                <a:satMod val="130000"/>
+                <a:shade val="90000"/>
+                <a:lumMod val="103000"/>
+              </a:schemeClr>
+            </a:gs>
+            <a:gs pos="100000">
+              <a:schemeClr val="phClr">
+                <a:shade val="63000"/>
+                <a:satMod val="120000"/>
+              </a:schemeClr>
+            </a:gs>
+          </a:gsLst>
+          <a:lin ang="5400000" scaled="0"/>
+        </a:gradFill>
+      </a:bgFillStyleLst>
+    </a:fmtScheme>
+  </a:themeElements>
+  <a:objectDefaults/>
+  <a:extraClrSchemeLst/>
+  <a:extLst>
+    <a:ext uri="{05A4C25C-085E-4340-85A3-A5531E510DB2}">
+      <thm15:themeFamily xmlns:thm15="http://schemas.microsoft.com/office/thememl/2012/main" name="Office Theme" id="{62F939B6-93AF-4DB8-9C6B-D6C7DFDC589F}" vid="{4A3C46E8-61CC-4603-A589-7422A47A8E4A}"/>
+    </a:ext>
+  </a:extLst>
+</a:theme>
 </file>